--- a/Presentation.pptx
+++ b/Presentation.pptx
@@ -24,7 +24,13 @@
     <p:sldId id="275" r:id="rId19"/>
     <p:sldId id="276" r:id="rId20"/>
     <p:sldId id="277" r:id="rId21"/>
-    <p:sldId id="279" r:id="rId22"/>
+    <p:sldId id="297" r:id="rId22"/>
+    <p:sldId id="302" r:id="rId23"/>
+    <p:sldId id="279" r:id="rId24"/>
+    <p:sldId id="298" r:id="rId25"/>
+    <p:sldId id="299" r:id="rId26"/>
+    <p:sldId id="300" r:id="rId27"/>
+    <p:sldId id="301" r:id="rId28"/>
   </p:sldIdLst>
   <p:sldSz cx="12192000" cy="6858000"/>
   <p:notesSz cx="7103745" cy="10234295"/>
@@ -8871,6 +8877,1013 @@
               <a:t>Database (ie. MYSQL) will be handled by the entire team.</a:t>
             </a:r>
             <a:endParaRPr lang="en-IN" altLang="en-GB" b="1"/>
+          </a:p>
+        </p:txBody>
+      </p:sp>
+    </p:spTree>
+  </p:cSld>
+  <p:clrMapOvr>
+    <a:masterClrMapping/>
+  </p:clrMapOvr>
+</p:sld>
+</file>
+
+<file path=ppt/slides/slide20.xml><?xml version="1.0" encoding="utf-8"?>
+<p:sld xmlns:a="http://schemas.openxmlformats.org/drawingml/2006/main" xmlns:r="http://schemas.openxmlformats.org/officeDocument/2006/relationships" xmlns:p="http://schemas.openxmlformats.org/presentationml/2006/main">
+  <p:cSld>
+    <p:spTree>
+      <p:nvGrpSpPr>
+        <p:cNvPr id="1" name=""/>
+        <p:cNvGrpSpPr/>
+        <p:nvPr/>
+      </p:nvGrpSpPr>
+      <p:grpSpPr>
+        <a:xfrm>
+          <a:off x="0" y="0"/>
+          <a:ext cx="0" cy="0"/>
+          <a:chOff x="0" y="0"/>
+          <a:chExt cx="0" cy="0"/>
+        </a:xfrm>
+      </p:grpSpPr>
+      <p:sp>
+        <p:nvSpPr>
+          <p:cNvPr id="3" name="Rectangle 2"/>
+          <p:cNvSpPr/>
+          <p:nvPr/>
+        </p:nvSpPr>
+        <p:spPr>
+          <a:xfrm>
+            <a:off x="4786951" y="2331720"/>
+            <a:ext cx="2617470" cy="860425"/>
+          </a:xfrm>
+          <a:prstGeom prst="rect">
+            <a:avLst/>
+          </a:prstGeom>
+          <a:noFill/>
+          <a:ln>
+            <a:noFill/>
+          </a:ln>
+        </p:spPr>
+        <p:txBody>
+          <a:bodyPr wrap="none" rtlCol="0" anchor="t">
+            <a:spAutoFit/>
+          </a:bodyPr>
+          <a:lstStyle/>
+          <a:p>
+            <a:pPr algn="ctr"/>
+            <a:r>
+              <a:rPr lang="en-IN" altLang="en-GB" sz="5000" b="1" dirty="0" smtClean="0">
+                <a:pattFill prst="dkUpDiag">
+                  <a:fgClr>
+                    <a:schemeClr val="bg1">
+                      <a:lumMod val="50000"/>
+                    </a:schemeClr>
+                  </a:fgClr>
+                  <a:bgClr>
+                    <a:schemeClr val="tx1">
+                      <a:lumMod val="75000"/>
+                      <a:lumOff val="25000"/>
+                    </a:schemeClr>
+                  </a:bgClr>
+                </a:pattFill>
+                <a:effectLst>
+                  <a:outerShdw blurRad="38100" dist="19050" dir="2700000" algn="tl" rotWithShape="0">
+                    <a:schemeClr val="dk1">
+                      <a:lumMod val="50000"/>
+                      <a:alpha val="40000"/>
+                    </a:schemeClr>
+                  </a:outerShdw>
+                </a:effectLst>
+              </a:rPr>
+              <a:t>WEEK 4</a:t>
+            </a:r>
+            <a:endParaRPr lang="en-IN" altLang="en-GB" sz="5000" b="1" dirty="0">
+              <a:pattFill prst="dkUpDiag">
+                <a:fgClr>
+                  <a:schemeClr val="bg1">
+                    <a:lumMod val="50000"/>
+                  </a:schemeClr>
+                </a:fgClr>
+                <a:bgClr>
+                  <a:schemeClr val="tx1">
+                    <a:lumMod val="75000"/>
+                    <a:lumOff val="25000"/>
+                  </a:schemeClr>
+                </a:bgClr>
+              </a:pattFill>
+              <a:effectLst>
+                <a:outerShdw blurRad="38100" dist="19050" dir="2700000" algn="tl" rotWithShape="0">
+                  <a:schemeClr val="dk1">
+                    <a:lumMod val="50000"/>
+                    <a:alpha val="40000"/>
+                  </a:schemeClr>
+                </a:outerShdw>
+              </a:effectLst>
+            </a:endParaRPr>
+          </a:p>
+        </p:txBody>
+      </p:sp>
+      <p:sp>
+        <p:nvSpPr>
+          <p:cNvPr id="4" name="Text Box 3"/>
+          <p:cNvSpPr txBox="1"/>
+          <p:nvPr/>
+        </p:nvSpPr>
+        <p:spPr>
+          <a:xfrm>
+            <a:off x="1136650" y="3350895"/>
+            <a:ext cx="9919335" cy="583565"/>
+          </a:xfrm>
+          <a:prstGeom prst="rect">
+            <a:avLst/>
+          </a:prstGeom>
+          <a:noFill/>
+        </p:spPr>
+        <p:txBody>
+          <a:bodyPr wrap="square" rtlCol="0">
+            <a:spAutoFit/>
+          </a:bodyPr>
+          <a:lstStyle/>
+          <a:p>
+            <a:pPr indent="0">
+              <a:buNone/>
+            </a:pPr>
+            <a:r>
+              <a:rPr lang="en-IN" altLang="en-GB" sz="3200" b="1" dirty="0"/>
+              <a:t>			07/02/2019 to 13/02/2019</a:t>
+            </a:r>
+            <a:endParaRPr lang="en-IN" altLang="en-GB" sz="3200" b="1" dirty="0"/>
+          </a:p>
+        </p:txBody>
+      </p:sp>
+    </p:spTree>
+  </p:cSld>
+  <p:clrMapOvr>
+    <a:masterClrMapping/>
+  </p:clrMapOvr>
+</p:sld>
+</file>
+
+<file path=ppt/slides/slide21.xml><?xml version="1.0" encoding="utf-8"?>
+<p:sld xmlns:a="http://schemas.openxmlformats.org/drawingml/2006/main" xmlns:r="http://schemas.openxmlformats.org/officeDocument/2006/relationships" xmlns:p="http://schemas.openxmlformats.org/presentationml/2006/main">
+  <p:cSld>
+    <p:spTree>
+      <p:nvGrpSpPr>
+        <p:cNvPr id="1" name=""/>
+        <p:cNvGrpSpPr/>
+        <p:nvPr/>
+      </p:nvGrpSpPr>
+      <p:grpSpPr>
+        <a:xfrm>
+          <a:off x="0" y="0"/>
+          <a:ext cx="0" cy="0"/>
+          <a:chOff x="0" y="0"/>
+          <a:chExt cx="0" cy="0"/>
+        </a:xfrm>
+      </p:grpSpPr>
+      <p:sp>
+        <p:nvSpPr>
+          <p:cNvPr id="3" name="Rectangle 2"/>
+          <p:cNvSpPr/>
+          <p:nvPr/>
+        </p:nvSpPr>
+        <p:spPr>
+          <a:xfrm>
+            <a:off x="2782574" y="396240"/>
+            <a:ext cx="6851015" cy="860425"/>
+          </a:xfrm>
+          <a:prstGeom prst="rect">
+            <a:avLst/>
+          </a:prstGeom>
+          <a:noFill/>
+          <a:ln>
+            <a:noFill/>
+          </a:ln>
+        </p:spPr>
+        <p:txBody>
+          <a:bodyPr wrap="none" rtlCol="0" anchor="t">
+            <a:spAutoFit/>
+          </a:bodyPr>
+          <a:lstStyle/>
+          <a:p>
+            <a:pPr algn="ctr"/>
+            <a:r>
+              <a:rPr lang="en-IN" altLang="en-GB" sz="5000" b="1" dirty="0" smtClean="0">
+                <a:pattFill prst="dkUpDiag">
+                  <a:fgClr>
+                    <a:schemeClr val="bg1">
+                      <a:lumMod val="50000"/>
+                    </a:schemeClr>
+                  </a:fgClr>
+                  <a:bgClr>
+                    <a:schemeClr val="tx1">
+                      <a:lumMod val="75000"/>
+                      <a:lumOff val="25000"/>
+                    </a:schemeClr>
+                  </a:bgClr>
+                </a:pattFill>
+                <a:effectLst>
+                  <a:outerShdw blurRad="38100" dist="19050" dir="2700000" algn="tl" rotWithShape="0">
+                    <a:schemeClr val="dk1">
+                      <a:lumMod val="50000"/>
+                      <a:alpha val="40000"/>
+                    </a:schemeClr>
+                  </a:outerShdw>
+                </a:effectLst>
+              </a:rPr>
+              <a:t>Login Form Validation</a:t>
+            </a:r>
+            <a:endParaRPr lang="en-IN" altLang="en-GB" sz="5000" b="1" dirty="0">
+              <a:pattFill prst="dkUpDiag">
+                <a:fgClr>
+                  <a:schemeClr val="bg1">
+                    <a:lumMod val="50000"/>
+                  </a:schemeClr>
+                </a:fgClr>
+                <a:bgClr>
+                  <a:schemeClr val="tx1">
+                    <a:lumMod val="75000"/>
+                    <a:lumOff val="25000"/>
+                  </a:schemeClr>
+                </a:bgClr>
+              </a:pattFill>
+              <a:effectLst>
+                <a:outerShdw blurRad="38100" dist="19050" dir="2700000" algn="tl" rotWithShape="0">
+                  <a:schemeClr val="dk1">
+                    <a:lumMod val="50000"/>
+                    <a:alpha val="40000"/>
+                  </a:schemeClr>
+                </a:outerShdw>
+              </a:effectLst>
+            </a:endParaRPr>
+          </a:p>
+        </p:txBody>
+      </p:sp>
+      <p:sp>
+        <p:nvSpPr>
+          <p:cNvPr id="5" name="Text Box 4"/>
+          <p:cNvSpPr txBox="1"/>
+          <p:nvPr/>
+        </p:nvSpPr>
+        <p:spPr>
+          <a:xfrm>
+            <a:off x="9610090" y="89535"/>
+            <a:ext cx="2352040" cy="306705"/>
+          </a:xfrm>
+          <a:prstGeom prst="rect">
+            <a:avLst/>
+          </a:prstGeom>
+          <a:noFill/>
+        </p:spPr>
+        <p:txBody>
+          <a:bodyPr wrap="square" rtlCol="0">
+            <a:spAutoFit/>
+          </a:bodyPr>
+          <a:p>
+            <a:pPr indent="0">
+              <a:buNone/>
+            </a:pPr>
+            <a:r>
+              <a:rPr lang="en-IN" altLang="en-GB" sz="1400" b="1" dirty="0"/>
+              <a:t>07/02/2019 to 13/02/2019</a:t>
+            </a:r>
+            <a:endParaRPr lang="en-IN" altLang="en-GB" sz="1400" b="1" dirty="0"/>
+          </a:p>
+        </p:txBody>
+      </p:sp>
+      <p:pic>
+        <p:nvPicPr>
+          <p:cNvPr id="6" name="Picture 5" descr="p2"/>
+          <p:cNvPicPr>
+            <a:picLocks noChangeAspect="1"/>
+          </p:cNvPicPr>
+          <p:nvPr/>
+        </p:nvPicPr>
+        <p:blipFill>
+          <a:blip r:embed="rId1"/>
+          <a:stretch>
+            <a:fillRect/>
+          </a:stretch>
+        </p:blipFill>
+        <p:spPr>
+          <a:xfrm>
+            <a:off x="6222365" y="1697990"/>
+            <a:ext cx="3610610" cy="4801235"/>
+          </a:xfrm>
+          <a:prstGeom prst="rect">
+            <a:avLst/>
+          </a:prstGeom>
+        </p:spPr>
+      </p:pic>
+      <p:pic>
+        <p:nvPicPr>
+          <p:cNvPr id="7" name="Picture 6" descr="p1"/>
+          <p:cNvPicPr>
+            <a:picLocks noChangeAspect="1"/>
+          </p:cNvPicPr>
+          <p:nvPr/>
+        </p:nvPicPr>
+        <p:blipFill>
+          <a:blip r:embed="rId2"/>
+          <a:stretch>
+            <a:fillRect/>
+          </a:stretch>
+        </p:blipFill>
+        <p:spPr>
+          <a:xfrm>
+            <a:off x="1796415" y="1650365"/>
+            <a:ext cx="3620135" cy="4848860"/>
+          </a:xfrm>
+          <a:prstGeom prst="rect">
+            <a:avLst/>
+          </a:prstGeom>
+        </p:spPr>
+      </p:pic>
+    </p:spTree>
+  </p:cSld>
+  <p:clrMapOvr>
+    <a:masterClrMapping/>
+  </p:clrMapOvr>
+</p:sld>
+</file>
+
+<file path=ppt/slides/slide22.xml><?xml version="1.0" encoding="utf-8"?>
+<p:sld xmlns:a="http://schemas.openxmlformats.org/drawingml/2006/main" xmlns:r="http://schemas.openxmlformats.org/officeDocument/2006/relationships" xmlns:p="http://schemas.openxmlformats.org/presentationml/2006/main">
+  <p:cSld>
+    <p:spTree>
+      <p:nvGrpSpPr>
+        <p:cNvPr id="1" name=""/>
+        <p:cNvGrpSpPr/>
+        <p:nvPr/>
+      </p:nvGrpSpPr>
+      <p:grpSpPr>
+        <a:xfrm>
+          <a:off x="0" y="0"/>
+          <a:ext cx="0" cy="0"/>
+          <a:chOff x="0" y="0"/>
+          <a:chExt cx="0" cy="0"/>
+        </a:xfrm>
+      </p:grpSpPr>
+      <p:sp>
+        <p:nvSpPr>
+          <p:cNvPr id="3" name="Rectangle 2"/>
+          <p:cNvSpPr/>
+          <p:nvPr/>
+        </p:nvSpPr>
+        <p:spPr>
+          <a:xfrm>
+            <a:off x="2782574" y="396240"/>
+            <a:ext cx="6851015" cy="860425"/>
+          </a:xfrm>
+          <a:prstGeom prst="rect">
+            <a:avLst/>
+          </a:prstGeom>
+          <a:noFill/>
+          <a:ln>
+            <a:noFill/>
+          </a:ln>
+        </p:spPr>
+        <p:txBody>
+          <a:bodyPr wrap="none" rtlCol="0" anchor="t">
+            <a:spAutoFit/>
+          </a:bodyPr>
+          <a:lstStyle/>
+          <a:p>
+            <a:pPr algn="ctr"/>
+            <a:r>
+              <a:rPr lang="en-IN" altLang="en-GB" sz="5000" b="1" dirty="0" smtClean="0">
+                <a:pattFill prst="dkUpDiag">
+                  <a:fgClr>
+                    <a:schemeClr val="bg1">
+                      <a:lumMod val="50000"/>
+                    </a:schemeClr>
+                  </a:fgClr>
+                  <a:bgClr>
+                    <a:schemeClr val="tx1">
+                      <a:lumMod val="75000"/>
+                      <a:lumOff val="25000"/>
+                    </a:schemeClr>
+                  </a:bgClr>
+                </a:pattFill>
+                <a:effectLst>
+                  <a:outerShdw blurRad="38100" dist="19050" dir="2700000" algn="tl" rotWithShape="0">
+                    <a:schemeClr val="dk1">
+                      <a:lumMod val="50000"/>
+                      <a:alpha val="40000"/>
+                    </a:schemeClr>
+                  </a:outerShdw>
+                </a:effectLst>
+              </a:rPr>
+              <a:t>Login Form Validation</a:t>
+            </a:r>
+            <a:endParaRPr lang="en-IN" altLang="en-GB" sz="5000" b="1" dirty="0">
+              <a:pattFill prst="dkUpDiag">
+                <a:fgClr>
+                  <a:schemeClr val="bg1">
+                    <a:lumMod val="50000"/>
+                  </a:schemeClr>
+                </a:fgClr>
+                <a:bgClr>
+                  <a:schemeClr val="tx1">
+                    <a:lumMod val="75000"/>
+                    <a:lumOff val="25000"/>
+                  </a:schemeClr>
+                </a:bgClr>
+              </a:pattFill>
+              <a:effectLst>
+                <a:outerShdw blurRad="38100" dist="19050" dir="2700000" algn="tl" rotWithShape="0">
+                  <a:schemeClr val="dk1">
+                    <a:lumMod val="50000"/>
+                    <a:alpha val="40000"/>
+                  </a:schemeClr>
+                </a:outerShdw>
+              </a:effectLst>
+            </a:endParaRPr>
+          </a:p>
+        </p:txBody>
+      </p:sp>
+      <p:sp>
+        <p:nvSpPr>
+          <p:cNvPr id="5" name="Text Box 4"/>
+          <p:cNvSpPr txBox="1"/>
+          <p:nvPr/>
+        </p:nvSpPr>
+        <p:spPr>
+          <a:xfrm>
+            <a:off x="9610090" y="89535"/>
+            <a:ext cx="2352040" cy="306705"/>
+          </a:xfrm>
+          <a:prstGeom prst="rect">
+            <a:avLst/>
+          </a:prstGeom>
+          <a:noFill/>
+        </p:spPr>
+        <p:txBody>
+          <a:bodyPr wrap="square" rtlCol="0">
+            <a:spAutoFit/>
+          </a:bodyPr>
+          <a:p>
+            <a:pPr indent="0">
+              <a:buNone/>
+            </a:pPr>
+            <a:r>
+              <a:rPr lang="en-IN" altLang="en-GB" sz="1400" b="1" dirty="0"/>
+              <a:t>07/02/2019 to 13/02/2019</a:t>
+            </a:r>
+            <a:endParaRPr lang="en-IN" altLang="en-GB" sz="1400" b="1" dirty="0"/>
+          </a:p>
+        </p:txBody>
+      </p:sp>
+      <p:pic>
+        <p:nvPicPr>
+          <p:cNvPr id="2" name="Picture 1" descr="p3"/>
+          <p:cNvPicPr>
+            <a:picLocks noChangeAspect="1"/>
+          </p:cNvPicPr>
+          <p:nvPr/>
+        </p:nvPicPr>
+        <p:blipFill>
+          <a:blip r:embed="rId1"/>
+          <a:stretch>
+            <a:fillRect/>
+          </a:stretch>
+        </p:blipFill>
+        <p:spPr>
+          <a:xfrm>
+            <a:off x="606425" y="1569085"/>
+            <a:ext cx="11318875" cy="4017645"/>
+          </a:xfrm>
+          <a:prstGeom prst="rect">
+            <a:avLst/>
+          </a:prstGeom>
+        </p:spPr>
+      </p:pic>
+    </p:spTree>
+  </p:cSld>
+  <p:clrMapOvr>
+    <a:masterClrMapping/>
+  </p:clrMapOvr>
+</p:sld>
+</file>
+
+<file path=ppt/slides/slide23.xml><?xml version="1.0" encoding="utf-8"?>
+<p:sld xmlns:a="http://schemas.openxmlformats.org/drawingml/2006/main" xmlns:r="http://schemas.openxmlformats.org/officeDocument/2006/relationships" xmlns:p="http://schemas.openxmlformats.org/presentationml/2006/main">
+  <p:cSld>
+    <p:spTree>
+      <p:nvGrpSpPr>
+        <p:cNvPr id="1" name=""/>
+        <p:cNvGrpSpPr/>
+        <p:nvPr/>
+      </p:nvGrpSpPr>
+      <p:grpSpPr>
+        <a:xfrm>
+          <a:off x="0" y="0"/>
+          <a:ext cx="0" cy="0"/>
+          <a:chOff x="0" y="0"/>
+          <a:chExt cx="0" cy="0"/>
+        </a:xfrm>
+      </p:grpSpPr>
+      <p:sp>
+        <p:nvSpPr>
+          <p:cNvPr id="3" name="Rectangle 2"/>
+          <p:cNvSpPr/>
+          <p:nvPr/>
+        </p:nvSpPr>
+        <p:spPr>
+          <a:xfrm>
+            <a:off x="2570802" y="396240"/>
+            <a:ext cx="7274560" cy="860425"/>
+          </a:xfrm>
+          <a:prstGeom prst="rect">
+            <a:avLst/>
+          </a:prstGeom>
+          <a:noFill/>
+          <a:ln>
+            <a:noFill/>
+          </a:ln>
+        </p:spPr>
+        <p:txBody>
+          <a:bodyPr wrap="none" rtlCol="0" anchor="t">
+            <a:spAutoFit/>
+          </a:bodyPr>
+          <a:lstStyle/>
+          <a:p>
+            <a:pPr algn="ctr"/>
+            <a:r>
+              <a:rPr lang="en-IN" altLang="en-GB" sz="5000" b="1" dirty="0" smtClean="0">
+                <a:pattFill prst="dkUpDiag">
+                  <a:fgClr>
+                    <a:schemeClr val="bg1">
+                      <a:lumMod val="50000"/>
+                    </a:schemeClr>
+                  </a:fgClr>
+                  <a:bgClr>
+                    <a:schemeClr val="tx1">
+                      <a:lumMod val="75000"/>
+                      <a:lumOff val="25000"/>
+                    </a:schemeClr>
+                  </a:bgClr>
+                </a:pattFill>
+                <a:effectLst>
+                  <a:outerShdw blurRad="38100" dist="19050" dir="2700000" algn="tl" rotWithShape="0">
+                    <a:schemeClr val="dk1">
+                      <a:lumMod val="50000"/>
+                      <a:alpha val="40000"/>
+                    </a:schemeClr>
+                  </a:outerShdw>
+                </a:effectLst>
+              </a:rPr>
+              <a:t>Addition Of Home Page</a:t>
+            </a:r>
+            <a:endParaRPr lang="en-IN" altLang="en-GB" sz="5000" b="1" dirty="0">
+              <a:pattFill prst="dkUpDiag">
+                <a:fgClr>
+                  <a:schemeClr val="bg1">
+                    <a:lumMod val="50000"/>
+                  </a:schemeClr>
+                </a:fgClr>
+                <a:bgClr>
+                  <a:schemeClr val="tx1">
+                    <a:lumMod val="75000"/>
+                    <a:lumOff val="25000"/>
+                  </a:schemeClr>
+                </a:bgClr>
+              </a:pattFill>
+              <a:effectLst>
+                <a:outerShdw blurRad="38100" dist="19050" dir="2700000" algn="tl" rotWithShape="0">
+                  <a:schemeClr val="dk1">
+                    <a:lumMod val="50000"/>
+                    <a:alpha val="40000"/>
+                  </a:schemeClr>
+                </a:outerShdw>
+              </a:effectLst>
+            </a:endParaRPr>
+          </a:p>
+        </p:txBody>
+      </p:sp>
+      <p:sp>
+        <p:nvSpPr>
+          <p:cNvPr id="5" name="Text Box 4"/>
+          <p:cNvSpPr txBox="1"/>
+          <p:nvPr/>
+        </p:nvSpPr>
+        <p:spPr>
+          <a:xfrm>
+            <a:off x="9610090" y="89535"/>
+            <a:ext cx="2352040" cy="306705"/>
+          </a:xfrm>
+          <a:prstGeom prst="rect">
+            <a:avLst/>
+          </a:prstGeom>
+          <a:noFill/>
+        </p:spPr>
+        <p:txBody>
+          <a:bodyPr wrap="square" rtlCol="0">
+            <a:spAutoFit/>
+          </a:bodyPr>
+          <a:p>
+            <a:pPr indent="0">
+              <a:buNone/>
+            </a:pPr>
+            <a:r>
+              <a:rPr lang="en-IN" altLang="en-GB" sz="1400" b="1" dirty="0"/>
+              <a:t>07/02/2019 to 13/02/2019</a:t>
+            </a:r>
+            <a:endParaRPr lang="en-IN" altLang="en-GB" sz="1400" b="1" dirty="0"/>
+          </a:p>
+        </p:txBody>
+      </p:sp>
+      <p:pic>
+        <p:nvPicPr>
+          <p:cNvPr id="4" name="Picture 3" descr="h1"/>
+          <p:cNvPicPr>
+            <a:picLocks noChangeAspect="1"/>
+          </p:cNvPicPr>
+          <p:nvPr/>
+        </p:nvPicPr>
+        <p:blipFill>
+          <a:blip r:embed="rId1"/>
+          <a:stretch>
+            <a:fillRect/>
+          </a:stretch>
+        </p:blipFill>
+        <p:spPr>
+          <a:xfrm>
+            <a:off x="1066800" y="1513205"/>
+            <a:ext cx="10058400" cy="4528185"/>
+          </a:xfrm>
+          <a:prstGeom prst="rect">
+            <a:avLst/>
+          </a:prstGeom>
+        </p:spPr>
+      </p:pic>
+    </p:spTree>
+  </p:cSld>
+  <p:clrMapOvr>
+    <a:masterClrMapping/>
+  </p:clrMapOvr>
+</p:sld>
+</file>
+
+<file path=ppt/slides/slide24.xml><?xml version="1.0" encoding="utf-8"?>
+<p:sld xmlns:a="http://schemas.openxmlformats.org/drawingml/2006/main" xmlns:r="http://schemas.openxmlformats.org/officeDocument/2006/relationships" xmlns:p="http://schemas.openxmlformats.org/presentationml/2006/main">
+  <p:cSld>
+    <p:spTree>
+      <p:nvGrpSpPr>
+        <p:cNvPr id="1" name=""/>
+        <p:cNvGrpSpPr/>
+        <p:nvPr/>
+      </p:nvGrpSpPr>
+      <p:grpSpPr>
+        <a:xfrm>
+          <a:off x="0" y="0"/>
+          <a:ext cx="0" cy="0"/>
+          <a:chOff x="0" y="0"/>
+          <a:chExt cx="0" cy="0"/>
+        </a:xfrm>
+      </p:grpSpPr>
+      <p:sp>
+        <p:nvSpPr>
+          <p:cNvPr id="5" name="Text Box 4"/>
+          <p:cNvSpPr txBox="1"/>
+          <p:nvPr/>
+        </p:nvSpPr>
+        <p:spPr>
+          <a:xfrm>
+            <a:off x="9610090" y="89535"/>
+            <a:ext cx="2352040" cy="306705"/>
+          </a:xfrm>
+          <a:prstGeom prst="rect">
+            <a:avLst/>
+          </a:prstGeom>
+          <a:noFill/>
+        </p:spPr>
+        <p:txBody>
+          <a:bodyPr wrap="square" rtlCol="0">
+            <a:spAutoFit/>
+          </a:bodyPr>
+          <a:p>
+            <a:pPr indent="0">
+              <a:buNone/>
+            </a:pPr>
+            <a:r>
+              <a:rPr lang="en-IN" altLang="en-GB" sz="1400" b="1" dirty="0"/>
+              <a:t>07/02/2019 to 13/02/2019</a:t>
+            </a:r>
+            <a:endParaRPr lang="en-IN" altLang="en-GB" sz="1400" b="1" dirty="0"/>
+          </a:p>
+        </p:txBody>
+      </p:sp>
+      <p:sp>
+        <p:nvSpPr>
+          <p:cNvPr id="2" name="Rectangle 1"/>
+          <p:cNvSpPr/>
+          <p:nvPr/>
+        </p:nvSpPr>
+        <p:spPr>
+          <a:xfrm>
+            <a:off x="3642043" y="1609725"/>
+            <a:ext cx="5157470" cy="860425"/>
+          </a:xfrm>
+          <a:prstGeom prst="rect">
+            <a:avLst/>
+          </a:prstGeom>
+          <a:noFill/>
+          <a:ln>
+            <a:noFill/>
+          </a:ln>
+        </p:spPr>
+        <p:txBody>
+          <a:bodyPr wrap="none" rtlCol="0" anchor="t">
+            <a:spAutoFit/>
+          </a:bodyPr>
+          <a:p>
+            <a:pPr algn="ctr"/>
+            <a:r>
+              <a:rPr lang="en-IN" altLang="en-GB" sz="5000" b="1">
+                <a:pattFill prst="dkUpDiag">
+                  <a:fgClr>
+                    <a:schemeClr val="bg1">
+                      <a:lumMod val="50000"/>
+                    </a:schemeClr>
+                  </a:fgClr>
+                  <a:bgClr>
+                    <a:schemeClr val="tx1">
+                      <a:lumMod val="75000"/>
+                      <a:lumOff val="25000"/>
+                    </a:schemeClr>
+                  </a:bgClr>
+                </a:pattFill>
+                <a:effectLst>
+                  <a:outerShdw blurRad="38100" dist="19050" dir="2700000" algn="tl" rotWithShape="0">
+                    <a:schemeClr val="dk1">
+                      <a:lumMod val="50000"/>
+                      <a:alpha val="40000"/>
+                    </a:schemeClr>
+                  </a:outerShdw>
+                </a:effectLst>
+              </a:rPr>
+              <a:t>WORK DIVISION</a:t>
+            </a:r>
+            <a:endParaRPr lang="en-IN" altLang="en-GB" sz="5000" b="1">
+              <a:pattFill prst="dkUpDiag">
+                <a:fgClr>
+                  <a:schemeClr val="bg1">
+                    <a:lumMod val="50000"/>
+                  </a:schemeClr>
+                </a:fgClr>
+                <a:bgClr>
+                  <a:schemeClr val="tx1">
+                    <a:lumMod val="75000"/>
+                    <a:lumOff val="25000"/>
+                  </a:schemeClr>
+                </a:bgClr>
+              </a:pattFill>
+              <a:effectLst>
+                <a:outerShdw blurRad="38100" dist="19050" dir="2700000" algn="tl" rotWithShape="0">
+                  <a:schemeClr val="dk1">
+                    <a:lumMod val="50000"/>
+                    <a:alpha val="40000"/>
+                  </a:schemeClr>
+                </a:outerShdw>
+              </a:effectLst>
+            </a:endParaRPr>
+          </a:p>
+        </p:txBody>
+      </p:sp>
+      <p:sp>
+        <p:nvSpPr>
+          <p:cNvPr id="6" name="Text Box 5"/>
+          <p:cNvSpPr txBox="1"/>
+          <p:nvPr/>
+        </p:nvSpPr>
+        <p:spPr>
+          <a:xfrm>
+            <a:off x="1137285" y="3188970"/>
+            <a:ext cx="9919335" cy="1753235"/>
+          </a:xfrm>
+          <a:prstGeom prst="rect">
+            <a:avLst/>
+          </a:prstGeom>
+          <a:noFill/>
+        </p:spPr>
+        <p:txBody>
+          <a:bodyPr wrap="square" rtlCol="0">
+            <a:spAutoFit/>
+          </a:bodyPr>
+          <a:p>
+            <a:pPr indent="0">
+              <a:buNone/>
+            </a:pPr>
+            <a:r>
+              <a:rPr lang="en-IN" b="1" dirty="0">
+                <a:sym typeface="+mn-ea"/>
+              </a:rPr>
+              <a:t>Everyone was supposed to make a script file for form validation. We selected the best page out of all 3.</a:t>
+            </a:r>
+            <a:endParaRPr lang="en-IN" b="1" dirty="0">
+              <a:sym typeface="+mn-ea"/>
+            </a:endParaRPr>
+          </a:p>
+          <a:p>
+            <a:pPr indent="0">
+              <a:buNone/>
+            </a:pPr>
+            <a:endParaRPr lang="en-IN" b="1" dirty="0"/>
+          </a:p>
+          <a:p>
+            <a:pPr indent="0">
+              <a:buNone/>
+            </a:pPr>
+            <a:r>
+              <a:rPr lang="en-IN" b="1" dirty="0"/>
+              <a:t>PPT was done by Apurva and Yashwant</a:t>
+            </a:r>
+            <a:endParaRPr lang="en-IN" b="1" dirty="0"/>
+          </a:p>
+          <a:p>
+            <a:pPr indent="0">
+              <a:buNone/>
+            </a:pPr>
+            <a:endParaRPr lang="en-IN" b="1" dirty="0"/>
+          </a:p>
+          <a:p>
+            <a:pPr indent="0">
+              <a:buNone/>
+            </a:pPr>
+            <a:r>
+              <a:rPr lang="en-IN" b="1" dirty="0"/>
+              <a:t>Form validation was scripted by Rishabh. Edited by Yashwant and Apurva</a:t>
+            </a:r>
+            <a:endParaRPr lang="en-IN" b="1" dirty="0"/>
+          </a:p>
+        </p:txBody>
+      </p:sp>
+    </p:spTree>
+  </p:cSld>
+  <p:clrMapOvr>
+    <a:masterClrMapping/>
+  </p:clrMapOvr>
+</p:sld>
+</file>
+
+<file path=ppt/slides/slide25.xml><?xml version="1.0" encoding="utf-8"?>
+<p:sld xmlns:a="http://schemas.openxmlformats.org/drawingml/2006/main" xmlns:r="http://schemas.openxmlformats.org/officeDocument/2006/relationships" xmlns:p="http://schemas.openxmlformats.org/presentationml/2006/main">
+  <p:cSld>
+    <p:spTree>
+      <p:nvGrpSpPr>
+        <p:cNvPr id="1" name=""/>
+        <p:cNvGrpSpPr/>
+        <p:nvPr/>
+      </p:nvGrpSpPr>
+      <p:grpSpPr>
+        <a:xfrm>
+          <a:off x="0" y="0"/>
+          <a:ext cx="0" cy="0"/>
+          <a:chOff x="0" y="0"/>
+          <a:chExt cx="0" cy="0"/>
+        </a:xfrm>
+      </p:grpSpPr>
+      <p:sp>
+        <p:nvSpPr>
+          <p:cNvPr id="5" name="Text Box 4"/>
+          <p:cNvSpPr txBox="1"/>
+          <p:nvPr/>
+        </p:nvSpPr>
+        <p:spPr>
+          <a:xfrm>
+            <a:off x="9610090" y="89535"/>
+            <a:ext cx="2352040" cy="306705"/>
+          </a:xfrm>
+          <a:prstGeom prst="rect">
+            <a:avLst/>
+          </a:prstGeom>
+          <a:noFill/>
+        </p:spPr>
+        <p:txBody>
+          <a:bodyPr wrap="square" rtlCol="0">
+            <a:spAutoFit/>
+          </a:bodyPr>
+          <a:p>
+            <a:pPr indent="0">
+              <a:buNone/>
+            </a:pPr>
+            <a:r>
+              <a:rPr lang="en-IN" altLang="en-GB" sz="1400" b="1" dirty="0"/>
+              <a:t>07/02/2019 to 13/02/2019</a:t>
+            </a:r>
+            <a:endParaRPr lang="en-IN" altLang="en-GB" sz="1400" b="1" dirty="0"/>
+          </a:p>
+        </p:txBody>
+      </p:sp>
+      <p:sp>
+        <p:nvSpPr>
+          <p:cNvPr id="2" name="Rectangle 1"/>
+          <p:cNvSpPr/>
+          <p:nvPr/>
+        </p:nvSpPr>
+        <p:spPr>
+          <a:xfrm>
+            <a:off x="3121661" y="1037590"/>
+            <a:ext cx="6099175" cy="860425"/>
+          </a:xfrm>
+          <a:prstGeom prst="rect">
+            <a:avLst/>
+          </a:prstGeom>
+          <a:noFill/>
+          <a:ln>
+            <a:noFill/>
+          </a:ln>
+        </p:spPr>
+        <p:txBody>
+          <a:bodyPr wrap="none" rtlCol="0" anchor="t">
+            <a:spAutoFit/>
+          </a:bodyPr>
+          <a:p>
+            <a:pPr algn="ctr"/>
+            <a:r>
+              <a:rPr lang="en-IN" altLang="en-GB" sz="5000" b="1">
+                <a:pattFill prst="dkUpDiag">
+                  <a:fgClr>
+                    <a:schemeClr val="bg1">
+                      <a:lumMod val="50000"/>
+                    </a:schemeClr>
+                  </a:fgClr>
+                  <a:bgClr>
+                    <a:schemeClr val="tx1">
+                      <a:lumMod val="75000"/>
+                      <a:lumOff val="25000"/>
+                    </a:schemeClr>
+                  </a:bgClr>
+                </a:pattFill>
+                <a:effectLst>
+                  <a:outerShdw blurRad="38100" dist="19050" dir="2700000" algn="tl" rotWithShape="0">
+                    <a:schemeClr val="dk1">
+                      <a:lumMod val="50000"/>
+                      <a:alpha val="40000"/>
+                    </a:schemeClr>
+                  </a:outerShdw>
+                </a:effectLst>
+              </a:rPr>
+              <a:t>Plan For Next Week</a:t>
+            </a:r>
+            <a:endParaRPr lang="en-IN" altLang="en-GB" sz="5000" b="1">
+              <a:pattFill prst="dkUpDiag">
+                <a:fgClr>
+                  <a:schemeClr val="bg1">
+                    <a:lumMod val="50000"/>
+                  </a:schemeClr>
+                </a:fgClr>
+                <a:bgClr>
+                  <a:schemeClr val="tx1">
+                    <a:lumMod val="75000"/>
+                    <a:lumOff val="25000"/>
+                  </a:schemeClr>
+                </a:bgClr>
+              </a:pattFill>
+              <a:effectLst>
+                <a:outerShdw blurRad="38100" dist="19050" dir="2700000" algn="tl" rotWithShape="0">
+                  <a:schemeClr val="dk1">
+                    <a:lumMod val="50000"/>
+                    <a:alpha val="40000"/>
+                  </a:schemeClr>
+                </a:outerShdw>
+              </a:effectLst>
+            </a:endParaRPr>
+          </a:p>
+        </p:txBody>
+      </p:sp>
+      <p:sp>
+        <p:nvSpPr>
+          <p:cNvPr id="6" name="Text Box 5"/>
+          <p:cNvSpPr txBox="1"/>
+          <p:nvPr/>
+        </p:nvSpPr>
+        <p:spPr>
+          <a:xfrm>
+            <a:off x="1211580" y="3051810"/>
+            <a:ext cx="9919335" cy="368300"/>
+          </a:xfrm>
+          <a:prstGeom prst="rect">
+            <a:avLst/>
+          </a:prstGeom>
+          <a:noFill/>
+        </p:spPr>
+        <p:txBody>
+          <a:bodyPr wrap="square" rtlCol="0">
+            <a:spAutoFit/>
+          </a:bodyPr>
+          <a:p>
+            <a:pPr indent="0">
+              <a:buNone/>
+            </a:pPr>
+            <a:r>
+              <a:rPr lang="en-IN" b="1" dirty="0">
+                <a:sym typeface="+mn-ea"/>
+              </a:rPr>
+              <a:t>Implementation Of Form Vallidation on Register page.</a:t>
+            </a:r>
+            <a:endParaRPr lang="en-IN" b="1" dirty="0"/>
           </a:p>
         </p:txBody>
       </p:sp>

--- a/Presentation.pptx
+++ b/Presentation.pptx
@@ -31,6 +31,23 @@
     <p:sldId id="299" r:id="rId26"/>
     <p:sldId id="300" r:id="rId27"/>
     <p:sldId id="301" r:id="rId28"/>
+    <p:sldId id="303" r:id="rId29"/>
+    <p:sldId id="304" r:id="rId30"/>
+    <p:sldId id="305" r:id="rId31"/>
+    <p:sldId id="306" r:id="rId32"/>
+    <p:sldId id="307" r:id="rId33"/>
+    <p:sldId id="314" r:id="rId34"/>
+    <p:sldId id="313" r:id="rId35"/>
+    <p:sldId id="315" r:id="rId36"/>
+    <p:sldId id="317" r:id="rId37"/>
+    <p:sldId id="318" r:id="rId38"/>
+    <p:sldId id="319" r:id="rId39"/>
+    <p:sldId id="322" r:id="rId40"/>
+    <p:sldId id="323" r:id="rId41"/>
+    <p:sldId id="324" r:id="rId42"/>
+    <p:sldId id="325" r:id="rId43"/>
+    <p:sldId id="320" r:id="rId44"/>
+    <p:sldId id="321" r:id="rId45"/>
   </p:sldIdLst>
   <p:sldSz cx="12192000" cy="6858000"/>
   <p:notesSz cx="7103745" cy="10234295"/>
@@ -1332,6 +1349,7 @@
         <p:spPr/>
         <p:txBody>
           <a:bodyPr/>
+          <a:lstStyle/>
           <a:p>
             <a:fld id="{FDE934FF-F4E1-47C5-9CA5-30A81DDE2BE4}" type="datetimeFigureOut">
               <a:rPr lang="en-US" smtClean="0"/>
@@ -1353,6 +1371,7 @@
         <p:spPr/>
         <p:txBody>
           <a:bodyPr/>
+          <a:lstStyle/>
           <a:p>
             <a:endParaRPr lang="en-US"/>
           </a:p>
@@ -1371,6 +1390,7 @@
         <p:spPr/>
         <p:txBody>
           <a:bodyPr/>
+          <a:lstStyle/>
           <a:p>
             <a:fld id="{B3561BA9-CDCF-4958-B8AB-66F3BF063E13}" type="slidenum">
               <a:rPr lang="en-US" smtClean="0"/>
@@ -1516,6 +1536,7 @@
         <p:spPr/>
         <p:txBody>
           <a:bodyPr/>
+          <a:lstStyle/>
           <a:p>
             <a:fld id="{FDE934FF-F4E1-47C5-9CA5-30A81DDE2BE4}" type="datetimeFigureOut">
               <a:rPr lang="en-US" smtClean="0"/>
@@ -1537,6 +1558,7 @@
         <p:spPr/>
         <p:txBody>
           <a:bodyPr/>
+          <a:lstStyle/>
           <a:p>
             <a:endParaRPr lang="en-US"/>
           </a:p>
@@ -1555,6 +1577,7 @@
         <p:spPr/>
         <p:txBody>
           <a:bodyPr/>
+          <a:lstStyle/>
           <a:p>
             <a:fld id="{B3561BA9-CDCF-4958-B8AB-66F3BF063E13}" type="slidenum">
               <a:rPr lang="en-US" smtClean="0"/>
@@ -1747,6 +1770,7 @@
         <p:spPr/>
         <p:txBody>
           <a:bodyPr/>
+          <a:lstStyle/>
           <a:p>
             <a:fld id="{FDE934FF-F4E1-47C5-9CA5-30A81DDE2BE4}" type="datetimeFigureOut">
               <a:rPr lang="en-US" smtClean="0"/>
@@ -1768,6 +1792,7 @@
         <p:spPr/>
         <p:txBody>
           <a:bodyPr/>
+          <a:lstStyle/>
           <a:p>
             <a:endParaRPr lang="en-US"/>
           </a:p>
@@ -1786,6 +1811,7 @@
         <p:spPr/>
         <p:txBody>
           <a:bodyPr/>
+          <a:lstStyle/>
           <a:p>
             <a:fld id="{B3561BA9-CDCF-4958-B8AB-66F3BF063E13}" type="slidenum">
               <a:rPr lang="en-US" smtClean="0"/>
@@ -2115,6 +2141,7 @@
         <p:spPr/>
         <p:txBody>
           <a:bodyPr/>
+          <a:lstStyle/>
           <a:p>
             <a:fld id="{FDE934FF-F4E1-47C5-9CA5-30A81DDE2BE4}" type="datetimeFigureOut">
               <a:rPr lang="en-US" smtClean="0"/>
@@ -2136,6 +2163,7 @@
         <p:spPr/>
         <p:txBody>
           <a:bodyPr/>
+          <a:lstStyle/>
           <a:p>
             <a:endParaRPr lang="en-US"/>
           </a:p>
@@ -2154,6 +2182,7 @@
         <p:spPr/>
         <p:txBody>
           <a:bodyPr/>
+          <a:lstStyle/>
           <a:p>
             <a:fld id="{B3561BA9-CDCF-4958-B8AB-66F3BF063E13}" type="slidenum">
               <a:rPr lang="en-US" smtClean="0"/>
@@ -2224,6 +2253,7 @@
         <p:spPr/>
         <p:txBody>
           <a:bodyPr/>
+          <a:lstStyle/>
           <a:p>
             <a:fld id="{FDE934FF-F4E1-47C5-9CA5-30A81DDE2BE4}" type="datetimeFigureOut">
               <a:rPr lang="en-US" smtClean="0"/>
@@ -2245,6 +2275,7 @@
         <p:spPr/>
         <p:txBody>
           <a:bodyPr/>
+          <a:lstStyle/>
           <a:p>
             <a:endParaRPr lang="en-US"/>
           </a:p>
@@ -2263,6 +2294,7 @@
         <p:spPr/>
         <p:txBody>
           <a:bodyPr/>
+          <a:lstStyle/>
           <a:p>
             <a:fld id="{B3561BA9-CDCF-4958-B8AB-66F3BF063E13}" type="slidenum">
               <a:rPr lang="en-US" smtClean="0"/>
@@ -2310,6 +2342,7 @@
         <p:spPr/>
         <p:txBody>
           <a:bodyPr/>
+          <a:lstStyle/>
           <a:p>
             <a:fld id="{FDE934FF-F4E1-47C5-9CA5-30A81DDE2BE4}" type="datetimeFigureOut">
               <a:rPr lang="en-US" smtClean="0"/>
@@ -2331,6 +2364,7 @@
         <p:spPr/>
         <p:txBody>
           <a:bodyPr/>
+          <a:lstStyle/>
           <a:p>
             <a:endParaRPr lang="en-US"/>
           </a:p>
@@ -2349,6 +2383,7 @@
         <p:spPr/>
         <p:txBody>
           <a:bodyPr/>
+          <a:lstStyle/>
           <a:p>
             <a:fld id="{B3561BA9-CDCF-4958-B8AB-66F3BF063E13}" type="slidenum">
               <a:rPr lang="en-US" smtClean="0"/>
@@ -2583,6 +2618,7 @@
         <p:spPr/>
         <p:txBody>
           <a:bodyPr/>
+          <a:lstStyle/>
           <a:p>
             <a:pPr marL="0" marR="0" lvl="0" indent="0" algn="l" defTabSz="914400" rtl="0" eaLnBrk="1" fontAlgn="base" latinLnBrk="0" hangingPunct="1">
               <a:lnSpc>
@@ -2630,6 +2666,7 @@
         <p:spPr/>
         <p:txBody>
           <a:bodyPr/>
+          <a:lstStyle/>
           <a:p>
             <a:pPr marL="0" marR="0" lvl="0" indent="0" algn="ctr" defTabSz="914400" rtl="0" eaLnBrk="1" fontAlgn="base" latinLnBrk="0" hangingPunct="1">
               <a:lnSpc>
@@ -2677,6 +2714,7 @@
         <p:spPr/>
         <p:txBody>
           <a:bodyPr/>
+          <a:lstStyle/>
           <a:p>
             <a:pPr marL="0" marR="0" lvl="0" indent="0" algn="r" defTabSz="914400" rtl="0" eaLnBrk="1" fontAlgn="base" latinLnBrk="0" hangingPunct="1">
               <a:lnSpc>
@@ -3122,6 +3160,7 @@
         <p:spPr/>
         <p:txBody>
           <a:bodyPr/>
+          <a:lstStyle/>
           <a:p>
             <a:fld id="{FDE934FF-F4E1-47C5-9CA5-30A81DDE2BE4}" type="datetimeFigureOut">
               <a:rPr lang="en-US" smtClean="0"/>
@@ -3143,6 +3182,7 @@
         <p:spPr/>
         <p:txBody>
           <a:bodyPr/>
+          <a:lstStyle/>
           <a:p>
             <a:endParaRPr lang="en-US"/>
           </a:p>
@@ -3161,6 +3201,7 @@
         <p:spPr/>
         <p:txBody>
           <a:bodyPr/>
+          <a:lstStyle/>
           <a:p>
             <a:fld id="{B3561BA9-CDCF-4958-B8AB-66F3BF063E13}" type="slidenum">
               <a:rPr lang="en-US" smtClean="0"/>
@@ -3287,6 +3328,7 @@
         <p:spPr/>
         <p:txBody>
           <a:bodyPr/>
+          <a:lstStyle/>
           <a:p>
             <a:pPr marL="0" marR="0" lvl="0" indent="0" algn="l" defTabSz="914400" rtl="0" eaLnBrk="1" fontAlgn="base" latinLnBrk="0" hangingPunct="1">
               <a:lnSpc>
@@ -3334,6 +3376,7 @@
         <p:spPr/>
         <p:txBody>
           <a:bodyPr/>
+          <a:lstStyle/>
           <a:p>
             <a:pPr marL="0" marR="0" lvl="0" indent="0" algn="ctr" defTabSz="914400" rtl="0" eaLnBrk="1" fontAlgn="base" latinLnBrk="0" hangingPunct="1">
               <a:lnSpc>
@@ -3381,6 +3424,7 @@
         <p:spPr/>
         <p:txBody>
           <a:bodyPr/>
+          <a:lstStyle/>
           <a:p>
             <a:pPr marL="0" marR="0" lvl="0" indent="0" algn="r" defTabSz="914400" rtl="0" eaLnBrk="1" fontAlgn="base" latinLnBrk="0" hangingPunct="1">
               <a:lnSpc>
@@ -3559,6 +3603,7 @@
         <p:spPr/>
         <p:txBody>
           <a:bodyPr/>
+          <a:lstStyle/>
           <a:p>
             <a:fld id="{FDE934FF-F4E1-47C5-9CA5-30A81DDE2BE4}" type="datetimeFigureOut">
               <a:rPr lang="en-US" smtClean="0"/>
@@ -3580,6 +3625,7 @@
         <p:spPr/>
         <p:txBody>
           <a:bodyPr/>
+          <a:lstStyle/>
           <a:p>
             <a:endParaRPr lang="en-US"/>
           </a:p>
@@ -3598,6 +3644,7 @@
         <p:spPr/>
         <p:txBody>
           <a:bodyPr/>
+          <a:lstStyle/>
           <a:p>
             <a:fld id="{B3561BA9-CDCF-4958-B8AB-66F3BF063E13}" type="slidenum">
               <a:rPr lang="en-US" smtClean="0"/>
@@ -6044,7 +6091,14 @@
         <p:cNvGrpSpPr/>
         <p:nvPr/>
       </p:nvGrpSpPr>
-      <p:grpSpPr/>
+      <p:grpSpPr>
+        <a:xfrm>
+          <a:off x="0" y="0"/>
+          <a:ext cx="0" cy="0"/>
+          <a:chOff x="0" y="0"/>
+          <a:chExt cx="0" cy="0"/>
+        </a:xfrm>
+      </p:grpSpPr>
       <p:pic>
         <p:nvPicPr>
           <p:cNvPr id="1026" name="Picture 9"/>
@@ -6098,6 +6152,7 @@
         </p:spPr>
         <p:txBody>
           <a:bodyPr anchor="ctr"/>
+          <a:lstStyle/>
           <a:p>
             <a:pPr lvl="0"/>
             <a:r>
@@ -6133,6 +6188,7 @@
         </p:spPr>
         <p:txBody>
           <a:bodyPr/>
+          <a:lstStyle/>
           <a:p>
             <a:pPr lvl="0"/>
             <a:r>
@@ -7950,6 +8006,7 @@
           <a:bodyPr wrap="square" rtlCol="0">
             <a:spAutoFit/>
           </a:bodyPr>
+          <a:lstStyle/>
           <a:p>
             <a:pPr indent="0">
               <a:buNone/>
@@ -8109,6 +8166,7 @@
           <a:bodyPr wrap="square" rtlCol="0">
             <a:spAutoFit/>
           </a:bodyPr>
+          <a:lstStyle/>
           <a:p>
             <a:pPr indent="0">
               <a:buNone/>
@@ -8244,6 +8302,7 @@
           <a:bodyPr wrap="square" rtlCol="0">
             <a:spAutoFit/>
           </a:bodyPr>
+          <a:lstStyle/>
           <a:p>
             <a:pPr marL="285750" indent="-285750" algn="ctr">
               <a:buFont typeface="Wingdings" panose="05000000000000000000" charset="0"/>
@@ -8343,6 +8402,7 @@
           <a:bodyPr wrap="square" rtlCol="0">
             <a:spAutoFit/>
           </a:bodyPr>
+          <a:lstStyle/>
           <a:p>
             <a:pPr indent="0">
               <a:buNone/>
@@ -8502,6 +8562,7 @@
           <a:bodyPr wrap="square" rtlCol="0">
             <a:spAutoFit/>
           </a:bodyPr>
+          <a:lstStyle/>
           <a:p>
             <a:pPr indent="0">
               <a:buNone/>
@@ -8637,6 +8698,7 @@
           <a:bodyPr wrap="square" rtlCol="0">
             <a:spAutoFit/>
           </a:bodyPr>
+          <a:lstStyle/>
           <a:p>
             <a:pPr indent="0">
               <a:buNone/>
@@ -8669,6 +8731,7 @@
           <a:bodyPr wrap="square" rtlCol="0">
             <a:spAutoFit/>
           </a:bodyPr>
+          <a:lstStyle/>
           <a:p>
             <a:r>
               <a:rPr lang="en-IN" altLang="en-GB" sz="2800" b="1"/>
@@ -9139,6 +9202,7 @@
           <a:bodyPr wrap="square" rtlCol="0">
             <a:spAutoFit/>
           </a:bodyPr>
+          <a:lstStyle/>
           <a:p>
             <a:pPr indent="0">
               <a:buNone/>
@@ -9322,6 +9386,7 @@
           <a:bodyPr wrap="square" rtlCol="0">
             <a:spAutoFit/>
           </a:bodyPr>
+          <a:lstStyle/>
           <a:p>
             <a:pPr indent="0">
               <a:buNone/>
@@ -9481,6 +9546,7 @@
           <a:bodyPr wrap="square" rtlCol="0">
             <a:spAutoFit/>
           </a:bodyPr>
+          <a:lstStyle/>
           <a:p>
             <a:pPr indent="0">
               <a:buNone/>
@@ -9562,6 +9628,7 @@
           <a:bodyPr wrap="square" rtlCol="0">
             <a:spAutoFit/>
           </a:bodyPr>
+          <a:lstStyle/>
           <a:p>
             <a:pPr indent="0">
               <a:buNone/>
@@ -9597,6 +9664,7 @@
           <a:bodyPr wrap="none" rtlCol="0" anchor="t">
             <a:spAutoFit/>
           </a:bodyPr>
+          <a:lstStyle/>
           <a:p>
             <a:pPr algn="ctr"/>
             <a:r>
@@ -9671,6 +9739,7 @@
           <a:bodyPr wrap="square" rtlCol="0">
             <a:spAutoFit/>
           </a:bodyPr>
+          <a:lstStyle/>
           <a:p>
             <a:pPr indent="0">
               <a:buNone/>
@@ -9764,6 +9833,7 @@
           <a:bodyPr wrap="square" rtlCol="0">
             <a:spAutoFit/>
           </a:bodyPr>
+          <a:lstStyle/>
           <a:p>
             <a:pPr indent="0">
               <a:buNone/>
@@ -9799,6 +9869,7 @@
           <a:bodyPr wrap="none" rtlCol="0" anchor="t">
             <a:spAutoFit/>
           </a:bodyPr>
+          <a:lstStyle/>
           <a:p>
             <a:pPr algn="ctr"/>
             <a:r>
@@ -9873,6 +9944,7 @@
           <a:bodyPr wrap="square" rtlCol="0">
             <a:spAutoFit/>
           </a:bodyPr>
+          <a:lstStyle/>
           <a:p>
             <a:pPr indent="0">
               <a:buNone/>
@@ -9884,6 +9956,710 @@
               <a:t>Implementation Of Form Vallidation on Register page.</a:t>
             </a:r>
             <a:endParaRPr lang="en-IN" b="1" dirty="0"/>
+          </a:p>
+        </p:txBody>
+      </p:sp>
+    </p:spTree>
+  </p:cSld>
+  <p:clrMapOvr>
+    <a:masterClrMapping/>
+  </p:clrMapOvr>
+</p:sld>
+</file>
+
+<file path=ppt/slides/slide26.xml><?xml version="1.0" encoding="utf-8"?>
+<p:sld xmlns:a="http://schemas.openxmlformats.org/drawingml/2006/main" xmlns:r="http://schemas.openxmlformats.org/officeDocument/2006/relationships" xmlns:p="http://schemas.openxmlformats.org/presentationml/2006/main">
+  <p:cSld>
+    <p:spTree>
+      <p:nvGrpSpPr>
+        <p:cNvPr id="1" name=""/>
+        <p:cNvGrpSpPr/>
+        <p:nvPr/>
+      </p:nvGrpSpPr>
+      <p:grpSpPr>
+        <a:xfrm>
+          <a:off x="0" y="0"/>
+          <a:ext cx="0" cy="0"/>
+          <a:chOff x="0" y="0"/>
+          <a:chExt cx="0" cy="0"/>
+        </a:xfrm>
+      </p:grpSpPr>
+      <p:sp>
+        <p:nvSpPr>
+          <p:cNvPr id="3" name="Rectangle 2"/>
+          <p:cNvSpPr/>
+          <p:nvPr/>
+        </p:nvSpPr>
+        <p:spPr>
+          <a:xfrm>
+            <a:off x="4786951" y="2331720"/>
+            <a:ext cx="2643672" cy="861774"/>
+          </a:xfrm>
+          <a:prstGeom prst="rect">
+            <a:avLst/>
+          </a:prstGeom>
+          <a:noFill/>
+          <a:ln>
+            <a:noFill/>
+          </a:ln>
+        </p:spPr>
+        <p:txBody>
+          <a:bodyPr wrap="none" rtlCol="0" anchor="t">
+            <a:spAutoFit/>
+          </a:bodyPr>
+          <a:lstStyle/>
+          <a:p>
+            <a:pPr algn="ctr"/>
+            <a:r>
+              <a:rPr lang="en-IN" altLang="en-GB" sz="5000" b="1" dirty="0" smtClean="0">
+                <a:pattFill prst="dkUpDiag">
+                  <a:fgClr>
+                    <a:schemeClr val="bg1">
+                      <a:lumMod val="50000"/>
+                    </a:schemeClr>
+                  </a:fgClr>
+                  <a:bgClr>
+                    <a:schemeClr val="tx1">
+                      <a:lumMod val="75000"/>
+                      <a:lumOff val="25000"/>
+                    </a:schemeClr>
+                  </a:bgClr>
+                </a:pattFill>
+                <a:effectLst>
+                  <a:outerShdw blurRad="38100" dist="19050" dir="2700000" algn="tl" rotWithShape="0">
+                    <a:schemeClr val="dk1">
+                      <a:lumMod val="50000"/>
+                      <a:alpha val="40000"/>
+                    </a:schemeClr>
+                  </a:outerShdw>
+                </a:effectLst>
+              </a:rPr>
+              <a:t>WEEK 5</a:t>
+            </a:r>
+            <a:endParaRPr lang="en-IN" altLang="en-GB" sz="5000" b="1" dirty="0">
+              <a:pattFill prst="dkUpDiag">
+                <a:fgClr>
+                  <a:schemeClr val="bg1">
+                    <a:lumMod val="50000"/>
+                  </a:schemeClr>
+                </a:fgClr>
+                <a:bgClr>
+                  <a:schemeClr val="tx1">
+                    <a:lumMod val="75000"/>
+                    <a:lumOff val="25000"/>
+                  </a:schemeClr>
+                </a:bgClr>
+              </a:pattFill>
+              <a:effectLst>
+                <a:outerShdw blurRad="38100" dist="19050" dir="2700000" algn="tl" rotWithShape="0">
+                  <a:schemeClr val="dk1">
+                    <a:lumMod val="50000"/>
+                    <a:alpha val="40000"/>
+                  </a:schemeClr>
+                </a:outerShdw>
+              </a:effectLst>
+            </a:endParaRPr>
+          </a:p>
+        </p:txBody>
+      </p:sp>
+      <p:sp>
+        <p:nvSpPr>
+          <p:cNvPr id="4" name="Text Box 3"/>
+          <p:cNvSpPr txBox="1"/>
+          <p:nvPr/>
+        </p:nvSpPr>
+        <p:spPr>
+          <a:xfrm>
+            <a:off x="1136650" y="3350895"/>
+            <a:ext cx="9919335" cy="583565"/>
+          </a:xfrm>
+          <a:prstGeom prst="rect">
+            <a:avLst/>
+          </a:prstGeom>
+          <a:noFill/>
+        </p:spPr>
+        <p:txBody>
+          <a:bodyPr wrap="square" rtlCol="0">
+            <a:spAutoFit/>
+          </a:bodyPr>
+          <a:lstStyle/>
+          <a:p>
+            <a:pPr indent="0">
+              <a:buNone/>
+            </a:pPr>
+            <a:r>
+              <a:rPr lang="en-IN" altLang="en-GB" sz="3200" b="1" dirty="0"/>
+              <a:t>			</a:t>
+            </a:r>
+            <a:r>
+              <a:rPr lang="en-IN" altLang="en-GB" sz="3200" b="1" dirty="0" smtClean="0"/>
+              <a:t>14/02/2019 </a:t>
+            </a:r>
+            <a:r>
+              <a:rPr lang="en-IN" altLang="en-GB" sz="3200" b="1" dirty="0"/>
+              <a:t>to </a:t>
+            </a:r>
+            <a:r>
+              <a:rPr lang="en-IN" altLang="en-GB" sz="3200" b="1" dirty="0" smtClean="0"/>
+              <a:t>20/02/2019</a:t>
+            </a:r>
+            <a:endParaRPr lang="en-IN" altLang="en-GB" sz="3200" b="1" dirty="0"/>
+          </a:p>
+        </p:txBody>
+      </p:sp>
+    </p:spTree>
+  </p:cSld>
+  <p:clrMapOvr>
+    <a:masterClrMapping/>
+  </p:clrMapOvr>
+</p:sld>
+</file>
+
+<file path=ppt/slides/slide27.xml><?xml version="1.0" encoding="utf-8"?>
+<p:sld xmlns:a="http://schemas.openxmlformats.org/drawingml/2006/main" xmlns:r="http://schemas.openxmlformats.org/officeDocument/2006/relationships" xmlns:p="http://schemas.openxmlformats.org/presentationml/2006/main">
+  <p:cSld>
+    <p:spTree>
+      <p:nvGrpSpPr>
+        <p:cNvPr id="1" name=""/>
+        <p:cNvGrpSpPr/>
+        <p:nvPr/>
+      </p:nvGrpSpPr>
+      <p:grpSpPr>
+        <a:xfrm>
+          <a:off x="0" y="0"/>
+          <a:ext cx="0" cy="0"/>
+          <a:chOff x="0" y="0"/>
+          <a:chExt cx="0" cy="0"/>
+        </a:xfrm>
+      </p:grpSpPr>
+      <p:sp>
+        <p:nvSpPr>
+          <p:cNvPr id="3" name="Rectangle 2"/>
+          <p:cNvSpPr/>
+          <p:nvPr/>
+        </p:nvSpPr>
+        <p:spPr>
+          <a:xfrm>
+            <a:off x="300446" y="396240"/>
+            <a:ext cx="11586754" cy="861774"/>
+          </a:xfrm>
+          <a:prstGeom prst="rect">
+            <a:avLst/>
+          </a:prstGeom>
+          <a:noFill/>
+          <a:ln>
+            <a:noFill/>
+          </a:ln>
+        </p:spPr>
+        <p:txBody>
+          <a:bodyPr wrap="square" rtlCol="0" anchor="t">
+            <a:spAutoFit/>
+          </a:bodyPr>
+          <a:lstStyle/>
+          <a:p>
+            <a:pPr algn="ctr"/>
+            <a:r>
+              <a:rPr lang="en-IN" altLang="en-GB" sz="5000" b="1" dirty="0" smtClean="0">
+                <a:pattFill prst="dkUpDiag">
+                  <a:fgClr>
+                    <a:schemeClr val="bg1">
+                      <a:lumMod val="50000"/>
+                    </a:schemeClr>
+                  </a:fgClr>
+                  <a:bgClr>
+                    <a:schemeClr val="tx1">
+                      <a:lumMod val="75000"/>
+                      <a:lumOff val="25000"/>
+                    </a:schemeClr>
+                  </a:bgClr>
+                </a:pattFill>
+                <a:effectLst>
+                  <a:outerShdw blurRad="38100" dist="19050" dir="2700000" algn="tl" rotWithShape="0">
+                    <a:schemeClr val="dk1">
+                      <a:lumMod val="50000"/>
+                      <a:alpha val="40000"/>
+                    </a:schemeClr>
+                  </a:outerShdw>
+                </a:effectLst>
+              </a:rPr>
+              <a:t>Registration Form Validation</a:t>
+            </a:r>
+            <a:endParaRPr lang="en-IN" altLang="en-GB" sz="5000" b="1" dirty="0">
+              <a:pattFill prst="dkUpDiag">
+                <a:fgClr>
+                  <a:schemeClr val="bg1">
+                    <a:lumMod val="50000"/>
+                  </a:schemeClr>
+                </a:fgClr>
+                <a:bgClr>
+                  <a:schemeClr val="tx1">
+                    <a:lumMod val="75000"/>
+                    <a:lumOff val="25000"/>
+                  </a:schemeClr>
+                </a:bgClr>
+              </a:pattFill>
+              <a:effectLst>
+                <a:outerShdw blurRad="38100" dist="19050" dir="2700000" algn="tl" rotWithShape="0">
+                  <a:schemeClr val="dk1">
+                    <a:lumMod val="50000"/>
+                    <a:alpha val="40000"/>
+                  </a:schemeClr>
+                </a:outerShdw>
+              </a:effectLst>
+            </a:endParaRPr>
+          </a:p>
+        </p:txBody>
+      </p:sp>
+      <p:sp>
+        <p:nvSpPr>
+          <p:cNvPr id="5" name="Text Box 4"/>
+          <p:cNvSpPr txBox="1"/>
+          <p:nvPr/>
+        </p:nvSpPr>
+        <p:spPr>
+          <a:xfrm>
+            <a:off x="9610090" y="89535"/>
+            <a:ext cx="2352040" cy="306705"/>
+          </a:xfrm>
+          <a:prstGeom prst="rect">
+            <a:avLst/>
+          </a:prstGeom>
+          <a:noFill/>
+        </p:spPr>
+        <p:txBody>
+          <a:bodyPr wrap="square" rtlCol="0">
+            <a:spAutoFit/>
+          </a:bodyPr>
+          <a:lstStyle/>
+          <a:p>
+            <a:pPr indent="0">
+              <a:buNone/>
+            </a:pPr>
+            <a:r>
+              <a:rPr lang="en-IN" altLang="en-GB" sz="1400" b="1" dirty="0" smtClean="0"/>
+              <a:t>14/02/2019 </a:t>
+            </a:r>
+            <a:r>
+              <a:rPr lang="en-IN" altLang="en-GB" sz="1400" b="1" dirty="0"/>
+              <a:t>to </a:t>
+            </a:r>
+            <a:r>
+              <a:rPr lang="en-IN" altLang="en-GB" sz="1400" b="1" dirty="0" smtClean="0"/>
+              <a:t>20/02/2019</a:t>
+            </a:r>
+            <a:endParaRPr lang="en-IN" altLang="en-GB" sz="1400" b="1" dirty="0"/>
+          </a:p>
+        </p:txBody>
+      </p:sp>
+      <p:pic>
+        <p:nvPicPr>
+          <p:cNvPr id="6" name="Picture 5" descr="p2"/>
+          <p:cNvPicPr>
+            <a:picLocks noChangeAspect="1"/>
+          </p:cNvPicPr>
+          <p:nvPr/>
+        </p:nvPicPr>
+        <p:blipFill>
+          <a:blip r:embed="rId1"/>
+          <a:stretch>
+            <a:fillRect/>
+          </a:stretch>
+        </p:blipFill>
+        <p:spPr>
+          <a:xfrm>
+            <a:off x="6222365" y="1697990"/>
+            <a:ext cx="3610610" cy="4801235"/>
+          </a:xfrm>
+          <a:prstGeom prst="rect">
+            <a:avLst/>
+          </a:prstGeom>
+        </p:spPr>
+      </p:pic>
+      <p:pic>
+        <p:nvPicPr>
+          <p:cNvPr id="7" name="Picture 6" descr="p1"/>
+          <p:cNvPicPr>
+            <a:picLocks noChangeAspect="1"/>
+          </p:cNvPicPr>
+          <p:nvPr/>
+        </p:nvPicPr>
+        <p:blipFill>
+          <a:blip r:embed="rId2"/>
+          <a:stretch>
+            <a:fillRect/>
+          </a:stretch>
+        </p:blipFill>
+        <p:spPr>
+          <a:xfrm>
+            <a:off x="1796415" y="1650365"/>
+            <a:ext cx="3620135" cy="4848860"/>
+          </a:xfrm>
+          <a:prstGeom prst="rect">
+            <a:avLst/>
+          </a:prstGeom>
+        </p:spPr>
+      </p:pic>
+      <p:pic>
+        <p:nvPicPr>
+          <p:cNvPr id="8" name="Picture 2" descr="C:\Users\User1\Desktop\ss.png"/>
+          <p:cNvPicPr>
+            <a:picLocks noChangeAspect="1" noChangeArrowheads="1"/>
+          </p:cNvPicPr>
+          <p:nvPr/>
+        </p:nvPicPr>
+        <p:blipFill>
+          <a:blip r:embed="rId3"/>
+          <a:srcRect/>
+          <a:stretch>
+            <a:fillRect/>
+          </a:stretch>
+        </p:blipFill>
+        <p:spPr bwMode="auto">
+          <a:xfrm>
+            <a:off x="1763485" y="1371600"/>
+            <a:ext cx="8477794" cy="5257800"/>
+          </a:xfrm>
+          <a:prstGeom prst="rect">
+            <a:avLst/>
+          </a:prstGeom>
+          <a:noFill/>
+        </p:spPr>
+      </p:pic>
+    </p:spTree>
+  </p:cSld>
+  <p:clrMapOvr>
+    <a:masterClrMapping/>
+  </p:clrMapOvr>
+</p:sld>
+</file>
+
+<file path=ppt/slides/slide28.xml><?xml version="1.0" encoding="utf-8"?>
+<p:sld xmlns:a="http://schemas.openxmlformats.org/drawingml/2006/main" xmlns:r="http://schemas.openxmlformats.org/officeDocument/2006/relationships" xmlns:p="http://schemas.openxmlformats.org/presentationml/2006/main">
+  <p:cSld>
+    <p:spTree>
+      <p:nvGrpSpPr>
+        <p:cNvPr id="1" name=""/>
+        <p:cNvGrpSpPr/>
+        <p:nvPr/>
+      </p:nvGrpSpPr>
+      <p:grpSpPr>
+        <a:xfrm>
+          <a:off x="0" y="0"/>
+          <a:ext cx="0" cy="0"/>
+          <a:chOff x="0" y="0"/>
+          <a:chExt cx="0" cy="0"/>
+        </a:xfrm>
+      </p:grpSpPr>
+      <p:sp>
+        <p:nvSpPr>
+          <p:cNvPr id="3" name="Rectangle 2"/>
+          <p:cNvSpPr/>
+          <p:nvPr/>
+        </p:nvSpPr>
+        <p:spPr>
+          <a:xfrm>
+            <a:off x="1345474" y="396240"/>
+            <a:ext cx="9784080" cy="861774"/>
+          </a:xfrm>
+          <a:prstGeom prst="rect">
+            <a:avLst/>
+          </a:prstGeom>
+          <a:noFill/>
+          <a:ln>
+            <a:noFill/>
+          </a:ln>
+        </p:spPr>
+        <p:txBody>
+          <a:bodyPr wrap="square" rtlCol="0" anchor="t">
+            <a:spAutoFit/>
+          </a:bodyPr>
+          <a:lstStyle/>
+          <a:p>
+            <a:pPr algn="ctr"/>
+            <a:r>
+              <a:rPr lang="en-IN" altLang="en-GB" sz="5000" b="1" dirty="0" smtClean="0">
+                <a:pattFill prst="dkUpDiag">
+                  <a:fgClr>
+                    <a:schemeClr val="bg1">
+                      <a:lumMod val="50000"/>
+                    </a:schemeClr>
+                  </a:fgClr>
+                  <a:bgClr>
+                    <a:schemeClr val="tx1">
+                      <a:lumMod val="75000"/>
+                      <a:lumOff val="25000"/>
+                    </a:schemeClr>
+                  </a:bgClr>
+                </a:pattFill>
+                <a:effectLst>
+                  <a:outerShdw blurRad="38100" dist="19050" dir="2700000" algn="tl" rotWithShape="0">
+                    <a:schemeClr val="dk1">
+                      <a:lumMod val="50000"/>
+                      <a:alpha val="40000"/>
+                    </a:schemeClr>
+                  </a:outerShdw>
+                </a:effectLst>
+              </a:rPr>
+              <a:t>Registration Form Validation</a:t>
+            </a:r>
+            <a:endParaRPr lang="en-IN" altLang="en-GB" sz="5000" b="1" dirty="0">
+              <a:pattFill prst="dkUpDiag">
+                <a:fgClr>
+                  <a:schemeClr val="bg1">
+                    <a:lumMod val="50000"/>
+                  </a:schemeClr>
+                </a:fgClr>
+                <a:bgClr>
+                  <a:schemeClr val="tx1">
+                    <a:lumMod val="75000"/>
+                    <a:lumOff val="25000"/>
+                  </a:schemeClr>
+                </a:bgClr>
+              </a:pattFill>
+              <a:effectLst>
+                <a:outerShdw blurRad="38100" dist="19050" dir="2700000" algn="tl" rotWithShape="0">
+                  <a:schemeClr val="dk1">
+                    <a:lumMod val="50000"/>
+                    <a:alpha val="40000"/>
+                  </a:schemeClr>
+                </a:outerShdw>
+              </a:effectLst>
+            </a:endParaRPr>
+          </a:p>
+        </p:txBody>
+      </p:sp>
+      <p:sp>
+        <p:nvSpPr>
+          <p:cNvPr id="5" name="Text Box 4"/>
+          <p:cNvSpPr txBox="1"/>
+          <p:nvPr/>
+        </p:nvSpPr>
+        <p:spPr>
+          <a:xfrm>
+            <a:off x="9610090" y="89535"/>
+            <a:ext cx="2352040" cy="306705"/>
+          </a:xfrm>
+          <a:prstGeom prst="rect">
+            <a:avLst/>
+          </a:prstGeom>
+          <a:noFill/>
+        </p:spPr>
+        <p:txBody>
+          <a:bodyPr wrap="square" rtlCol="0">
+            <a:spAutoFit/>
+          </a:bodyPr>
+          <a:lstStyle/>
+          <a:p>
+            <a:pPr indent="0">
+              <a:buNone/>
+            </a:pPr>
+            <a:r>
+              <a:rPr lang="en-IN" altLang="en-GB" sz="1400" b="1" dirty="0" smtClean="0"/>
+              <a:t>14/02/2019 </a:t>
+            </a:r>
+            <a:r>
+              <a:rPr lang="en-IN" altLang="en-GB" sz="1400" b="1" dirty="0"/>
+              <a:t>to </a:t>
+            </a:r>
+            <a:r>
+              <a:rPr lang="en-IN" altLang="en-GB" sz="1400" b="1" dirty="0" smtClean="0"/>
+              <a:t>20/02/2019</a:t>
+            </a:r>
+            <a:endParaRPr lang="en-IN" altLang="en-GB" sz="1400" b="1" dirty="0"/>
+          </a:p>
+        </p:txBody>
+      </p:sp>
+      <p:pic>
+        <p:nvPicPr>
+          <p:cNvPr id="2" name="Picture 1" descr="p3"/>
+          <p:cNvPicPr>
+            <a:picLocks noChangeAspect="1"/>
+          </p:cNvPicPr>
+          <p:nvPr/>
+        </p:nvPicPr>
+        <p:blipFill>
+          <a:blip r:embed="rId1"/>
+          <a:stretch>
+            <a:fillRect/>
+          </a:stretch>
+        </p:blipFill>
+        <p:spPr>
+          <a:xfrm>
+            <a:off x="606425" y="1569085"/>
+            <a:ext cx="11318875" cy="4017645"/>
+          </a:xfrm>
+          <a:prstGeom prst="rect">
+            <a:avLst/>
+          </a:prstGeom>
+        </p:spPr>
+      </p:pic>
+      <p:pic>
+        <p:nvPicPr>
+          <p:cNvPr id="2050" name="Picture 2" descr="C:\Users\User1\Desktop\ss1.png"/>
+          <p:cNvPicPr>
+            <a:picLocks noChangeAspect="1" noChangeArrowheads="1"/>
+          </p:cNvPicPr>
+          <p:nvPr/>
+        </p:nvPicPr>
+        <p:blipFill>
+          <a:blip r:embed="rId2"/>
+          <a:srcRect/>
+          <a:stretch>
+            <a:fillRect/>
+          </a:stretch>
+        </p:blipFill>
+        <p:spPr bwMode="auto">
+          <a:xfrm>
+            <a:off x="561703" y="1482634"/>
+            <a:ext cx="11430000" cy="5375366"/>
+          </a:xfrm>
+          <a:prstGeom prst="rect">
+            <a:avLst/>
+          </a:prstGeom>
+          <a:noFill/>
+        </p:spPr>
+      </p:pic>
+    </p:spTree>
+  </p:cSld>
+  <p:clrMapOvr>
+    <a:masterClrMapping/>
+  </p:clrMapOvr>
+</p:sld>
+</file>
+
+<file path=ppt/slides/slide29.xml><?xml version="1.0" encoding="utf-8"?>
+<p:sld xmlns:a="http://schemas.openxmlformats.org/drawingml/2006/main" xmlns:r="http://schemas.openxmlformats.org/officeDocument/2006/relationships" xmlns:p="http://schemas.openxmlformats.org/presentationml/2006/main">
+  <p:cSld>
+    <p:spTree>
+      <p:nvGrpSpPr>
+        <p:cNvPr id="1" name=""/>
+        <p:cNvGrpSpPr/>
+        <p:nvPr/>
+      </p:nvGrpSpPr>
+      <p:grpSpPr>
+        <a:xfrm>
+          <a:off x="0" y="0"/>
+          <a:ext cx="0" cy="0"/>
+          <a:chOff x="0" y="0"/>
+          <a:chExt cx="0" cy="0"/>
+        </a:xfrm>
+      </p:grpSpPr>
+      <p:sp>
+        <p:nvSpPr>
+          <p:cNvPr id="5" name="Text Box 4"/>
+          <p:cNvSpPr txBox="1"/>
+          <p:nvPr/>
+        </p:nvSpPr>
+        <p:spPr>
+          <a:xfrm>
+            <a:off x="9610090" y="89535"/>
+            <a:ext cx="2352040" cy="306705"/>
+          </a:xfrm>
+          <a:prstGeom prst="rect">
+            <a:avLst/>
+          </a:prstGeom>
+          <a:noFill/>
+        </p:spPr>
+        <p:txBody>
+          <a:bodyPr wrap="square" rtlCol="0">
+            <a:spAutoFit/>
+          </a:bodyPr>
+          <a:lstStyle/>
+          <a:p>
+            <a:pPr indent="0">
+              <a:buNone/>
+            </a:pPr>
+            <a:r>
+              <a:rPr lang="en-IN" altLang="en-GB" sz="1400" b="1" dirty="0" smtClean="0"/>
+              <a:t>14/02/2019 </a:t>
+            </a:r>
+            <a:r>
+              <a:rPr lang="en-IN" altLang="en-GB" sz="1400" b="1" dirty="0"/>
+              <a:t>to </a:t>
+            </a:r>
+            <a:r>
+              <a:rPr lang="en-IN" altLang="en-GB" sz="1400" b="1" dirty="0" smtClean="0"/>
+              <a:t>20/02/2019</a:t>
+            </a:r>
+            <a:endParaRPr lang="en-IN" altLang="en-GB" sz="1400" b="1" dirty="0"/>
+          </a:p>
+        </p:txBody>
+      </p:sp>
+      <p:sp>
+        <p:nvSpPr>
+          <p:cNvPr id="2" name="Rectangle 1"/>
+          <p:cNvSpPr/>
+          <p:nvPr/>
+        </p:nvSpPr>
+        <p:spPr>
+          <a:xfrm>
+            <a:off x="3642043" y="1609725"/>
+            <a:ext cx="5157470" cy="860425"/>
+          </a:xfrm>
+          <a:prstGeom prst="rect">
+            <a:avLst/>
+          </a:prstGeom>
+          <a:noFill/>
+          <a:ln>
+            <a:noFill/>
+          </a:ln>
+        </p:spPr>
+        <p:txBody>
+          <a:bodyPr wrap="none" rtlCol="0" anchor="t">
+            <a:spAutoFit/>
+          </a:bodyPr>
+          <a:lstStyle/>
+          <a:p>
+            <a:pPr algn="ctr"/>
+            <a:r>
+              <a:rPr lang="en-IN" altLang="en-GB" sz="5000" b="1">
+                <a:pattFill prst="dkUpDiag">
+                  <a:fgClr>
+                    <a:schemeClr val="bg1">
+                      <a:lumMod val="50000"/>
+                    </a:schemeClr>
+                  </a:fgClr>
+                  <a:bgClr>
+                    <a:schemeClr val="tx1">
+                      <a:lumMod val="75000"/>
+                      <a:lumOff val="25000"/>
+                    </a:schemeClr>
+                  </a:bgClr>
+                </a:pattFill>
+                <a:effectLst>
+                  <a:outerShdw blurRad="38100" dist="19050" dir="2700000" algn="tl" rotWithShape="0">
+                    <a:schemeClr val="dk1">
+                      <a:lumMod val="50000"/>
+                      <a:alpha val="40000"/>
+                    </a:schemeClr>
+                  </a:outerShdw>
+                </a:effectLst>
+              </a:rPr>
+              <a:t>WORK DIVISION</a:t>
+            </a:r>
+            <a:endParaRPr lang="en-IN" altLang="en-GB" sz="5000" b="1">
+              <a:pattFill prst="dkUpDiag">
+                <a:fgClr>
+                  <a:schemeClr val="bg1">
+                    <a:lumMod val="50000"/>
+                  </a:schemeClr>
+                </a:fgClr>
+                <a:bgClr>
+                  <a:schemeClr val="tx1">
+                    <a:lumMod val="75000"/>
+                    <a:lumOff val="25000"/>
+                  </a:schemeClr>
+                </a:bgClr>
+              </a:pattFill>
+              <a:effectLst>
+                <a:outerShdw blurRad="38100" dist="19050" dir="2700000" algn="tl" rotWithShape="0">
+                  <a:schemeClr val="dk1">
+                    <a:lumMod val="50000"/>
+                    <a:alpha val="40000"/>
+                  </a:schemeClr>
+                </a:outerShdw>
+              </a:effectLst>
+            </a:endParaRPr>
           </a:p>
         </p:txBody>
       </p:sp>
@@ -9904,7 +10680,14 @@
         <p:cNvGrpSpPr/>
         <p:nvPr/>
       </p:nvGrpSpPr>
-      <p:grpSpPr/>
+      <p:grpSpPr>
+        <a:xfrm>
+          <a:off x="0" y="0"/>
+          <a:ext cx="0" cy="0"/>
+          <a:chOff x="0" y="0"/>
+          <a:chExt cx="0" cy="0"/>
+        </a:xfrm>
+      </p:grpSpPr>
       <p:sp>
         <p:nvSpPr>
           <p:cNvPr id="3" name="Rectangle 2"/>
@@ -9928,6 +10711,7 @@
           <a:bodyPr wrap="none" rtlCol="0" anchor="t">
             <a:spAutoFit/>
           </a:bodyPr>
+          <a:lstStyle/>
           <a:p>
             <a:pPr algn="ctr"/>
             <a:r>
@@ -10000,6 +10784,1721 @@
           <a:xfrm>
             <a:off x="1599565" y="1368425"/>
             <a:ext cx="9234805" cy="4963160"/>
+          </a:xfrm>
+          <a:prstGeom prst="rect">
+            <a:avLst/>
+          </a:prstGeom>
+        </p:spPr>
+      </p:pic>
+    </p:spTree>
+  </p:cSld>
+  <p:clrMapOvr>
+    <a:masterClrMapping/>
+  </p:clrMapOvr>
+</p:sld>
+</file>
+
+<file path=ppt/slides/slide30.xml><?xml version="1.0" encoding="utf-8"?>
+<p:sld xmlns:a="http://schemas.openxmlformats.org/drawingml/2006/main" xmlns:r="http://schemas.openxmlformats.org/officeDocument/2006/relationships" xmlns:p="http://schemas.openxmlformats.org/presentationml/2006/main">
+  <p:cSld>
+    <p:spTree>
+      <p:nvGrpSpPr>
+        <p:cNvPr id="1" name=""/>
+        <p:cNvGrpSpPr/>
+        <p:nvPr/>
+      </p:nvGrpSpPr>
+      <p:grpSpPr>
+        <a:xfrm>
+          <a:off x="0" y="0"/>
+          <a:ext cx="0" cy="0"/>
+          <a:chOff x="0" y="0"/>
+          <a:chExt cx="0" cy="0"/>
+        </a:xfrm>
+      </p:grpSpPr>
+      <p:sp>
+        <p:nvSpPr>
+          <p:cNvPr id="5" name="Text Box 4"/>
+          <p:cNvSpPr txBox="1"/>
+          <p:nvPr/>
+        </p:nvSpPr>
+        <p:spPr>
+          <a:xfrm>
+            <a:off x="9610090" y="89535"/>
+            <a:ext cx="2352040" cy="306705"/>
+          </a:xfrm>
+          <a:prstGeom prst="rect">
+            <a:avLst/>
+          </a:prstGeom>
+          <a:noFill/>
+        </p:spPr>
+        <p:txBody>
+          <a:bodyPr wrap="square" rtlCol="0">
+            <a:spAutoFit/>
+          </a:bodyPr>
+          <a:lstStyle/>
+          <a:p>
+            <a:pPr indent="0">
+              <a:buNone/>
+            </a:pPr>
+            <a:r>
+              <a:rPr lang="en-IN" altLang="en-GB" sz="1400" b="1" dirty="0" smtClean="0"/>
+              <a:t>14/02/2019 </a:t>
+            </a:r>
+            <a:r>
+              <a:rPr lang="en-IN" altLang="en-GB" sz="1400" b="1" dirty="0"/>
+              <a:t>to </a:t>
+            </a:r>
+            <a:r>
+              <a:rPr lang="en-IN" altLang="en-GB" sz="1400" b="1" dirty="0" smtClean="0"/>
+              <a:t>20/02/2019</a:t>
+            </a:r>
+            <a:endParaRPr lang="en-IN" altLang="en-GB" sz="1400" b="1" dirty="0"/>
+          </a:p>
+        </p:txBody>
+      </p:sp>
+      <p:sp>
+        <p:nvSpPr>
+          <p:cNvPr id="2" name="Rectangle 1"/>
+          <p:cNvSpPr/>
+          <p:nvPr/>
+        </p:nvSpPr>
+        <p:spPr>
+          <a:xfrm>
+            <a:off x="3121661" y="1037590"/>
+            <a:ext cx="6099175" cy="860425"/>
+          </a:xfrm>
+          <a:prstGeom prst="rect">
+            <a:avLst/>
+          </a:prstGeom>
+          <a:noFill/>
+          <a:ln>
+            <a:noFill/>
+          </a:ln>
+        </p:spPr>
+        <p:txBody>
+          <a:bodyPr wrap="none" rtlCol="0" anchor="t">
+            <a:spAutoFit/>
+          </a:bodyPr>
+          <a:lstStyle/>
+          <a:p>
+            <a:pPr algn="ctr"/>
+            <a:r>
+              <a:rPr lang="en-IN" altLang="en-GB" sz="5000" b="1">
+                <a:pattFill prst="dkUpDiag">
+                  <a:fgClr>
+                    <a:schemeClr val="bg1">
+                      <a:lumMod val="50000"/>
+                    </a:schemeClr>
+                  </a:fgClr>
+                  <a:bgClr>
+                    <a:schemeClr val="tx1">
+                      <a:lumMod val="75000"/>
+                      <a:lumOff val="25000"/>
+                    </a:schemeClr>
+                  </a:bgClr>
+                </a:pattFill>
+                <a:effectLst>
+                  <a:outerShdw blurRad="38100" dist="19050" dir="2700000" algn="tl" rotWithShape="0">
+                    <a:schemeClr val="dk1">
+                      <a:lumMod val="50000"/>
+                      <a:alpha val="40000"/>
+                    </a:schemeClr>
+                  </a:outerShdw>
+                </a:effectLst>
+              </a:rPr>
+              <a:t>Plan For Next Week</a:t>
+            </a:r>
+            <a:endParaRPr lang="en-IN" altLang="en-GB" sz="5000" b="1">
+              <a:pattFill prst="dkUpDiag">
+                <a:fgClr>
+                  <a:schemeClr val="bg1">
+                    <a:lumMod val="50000"/>
+                  </a:schemeClr>
+                </a:fgClr>
+                <a:bgClr>
+                  <a:schemeClr val="tx1">
+                    <a:lumMod val="75000"/>
+                    <a:lumOff val="25000"/>
+                  </a:schemeClr>
+                </a:bgClr>
+              </a:pattFill>
+              <a:effectLst>
+                <a:outerShdw blurRad="38100" dist="19050" dir="2700000" algn="tl" rotWithShape="0">
+                  <a:schemeClr val="dk1">
+                    <a:lumMod val="50000"/>
+                    <a:alpha val="40000"/>
+                  </a:schemeClr>
+                </a:outerShdw>
+              </a:effectLst>
+            </a:endParaRPr>
+          </a:p>
+        </p:txBody>
+      </p:sp>
+      <p:sp>
+        <p:nvSpPr>
+          <p:cNvPr id="6" name="Text Box 5"/>
+          <p:cNvSpPr txBox="1"/>
+          <p:nvPr/>
+        </p:nvSpPr>
+        <p:spPr>
+          <a:xfrm>
+            <a:off x="1199515" y="3051810"/>
+            <a:ext cx="9919335" cy="922020"/>
+          </a:xfrm>
+          <a:prstGeom prst="rect">
+            <a:avLst/>
+          </a:prstGeom>
+          <a:noFill/>
+        </p:spPr>
+        <p:txBody>
+          <a:bodyPr wrap="square" rtlCol="0">
+            <a:spAutoFit/>
+          </a:bodyPr>
+          <a:lstStyle/>
+          <a:p>
+            <a:pPr indent="0">
+              <a:buNone/>
+            </a:pPr>
+            <a:r>
+              <a:rPr lang="en-IN" b="1" dirty="0">
+                <a:sym typeface="+mn-ea"/>
+              </a:rPr>
+              <a:t>Implementation Of </a:t>
+            </a:r>
+            <a:r>
+              <a:rPr lang="en-IN" b="1" dirty="0" smtClean="0">
+                <a:sym typeface="+mn-ea"/>
+              </a:rPr>
+              <a:t>Database schema .</a:t>
+            </a:r>
+            <a:endParaRPr lang="en-IN" b="1" dirty="0" smtClean="0">
+              <a:sym typeface="+mn-ea"/>
+            </a:endParaRPr>
+          </a:p>
+          <a:p>
+            <a:pPr indent="0">
+              <a:buNone/>
+            </a:pPr>
+            <a:endParaRPr lang="en-IN" b="1" dirty="0"/>
+          </a:p>
+          <a:p>
+            <a:pPr indent="0">
+              <a:buNone/>
+            </a:pPr>
+            <a:r>
+              <a:rPr lang="en-IN" b="1" dirty="0"/>
+              <a:t>Auto calculation of Age from Date of Birth.</a:t>
+            </a:r>
+            <a:endParaRPr lang="en-IN" b="1" dirty="0"/>
+          </a:p>
+        </p:txBody>
+      </p:sp>
+    </p:spTree>
+  </p:cSld>
+  <p:clrMapOvr>
+    <a:masterClrMapping/>
+  </p:clrMapOvr>
+</p:sld>
+</file>
+
+<file path=ppt/slides/slide31.xml><?xml version="1.0" encoding="utf-8"?>
+<p:sld xmlns:a="http://schemas.openxmlformats.org/drawingml/2006/main" xmlns:r="http://schemas.openxmlformats.org/officeDocument/2006/relationships" xmlns:p="http://schemas.openxmlformats.org/presentationml/2006/main">
+  <p:cSld>
+    <p:spTree>
+      <p:nvGrpSpPr>
+        <p:cNvPr id="1" name=""/>
+        <p:cNvGrpSpPr/>
+        <p:nvPr/>
+      </p:nvGrpSpPr>
+      <p:grpSpPr>
+        <a:xfrm>
+          <a:off x="0" y="0"/>
+          <a:ext cx="0" cy="0"/>
+          <a:chOff x="0" y="0"/>
+          <a:chExt cx="0" cy="0"/>
+        </a:xfrm>
+      </p:grpSpPr>
+      <p:sp>
+        <p:nvSpPr>
+          <p:cNvPr id="3" name="Rectangle 2"/>
+          <p:cNvSpPr/>
+          <p:nvPr/>
+        </p:nvSpPr>
+        <p:spPr>
+          <a:xfrm>
+            <a:off x="4800052" y="2331720"/>
+            <a:ext cx="2617470" cy="860425"/>
+          </a:xfrm>
+          <a:prstGeom prst="rect">
+            <a:avLst/>
+          </a:prstGeom>
+          <a:noFill/>
+          <a:ln>
+            <a:noFill/>
+          </a:ln>
+        </p:spPr>
+        <p:txBody>
+          <a:bodyPr wrap="none" rtlCol="0" anchor="t">
+            <a:spAutoFit/>
+          </a:bodyPr>
+          <a:lstStyle/>
+          <a:p>
+            <a:pPr algn="ctr"/>
+            <a:r>
+              <a:rPr lang="en-IN" altLang="en-GB" sz="5000" b="1" dirty="0" smtClean="0">
+                <a:pattFill prst="dkUpDiag">
+                  <a:fgClr>
+                    <a:schemeClr val="bg1">
+                      <a:lumMod val="50000"/>
+                    </a:schemeClr>
+                  </a:fgClr>
+                  <a:bgClr>
+                    <a:schemeClr val="tx1">
+                      <a:lumMod val="75000"/>
+                      <a:lumOff val="25000"/>
+                    </a:schemeClr>
+                  </a:bgClr>
+                </a:pattFill>
+                <a:effectLst>
+                  <a:outerShdw blurRad="38100" dist="19050" dir="2700000" algn="tl" rotWithShape="0">
+                    <a:schemeClr val="dk1">
+                      <a:lumMod val="50000"/>
+                      <a:alpha val="40000"/>
+                    </a:schemeClr>
+                  </a:outerShdw>
+                </a:effectLst>
+              </a:rPr>
+              <a:t>WEEK 6</a:t>
+            </a:r>
+            <a:endParaRPr lang="en-IN" altLang="en-GB" sz="5000" b="1" dirty="0">
+              <a:pattFill prst="dkUpDiag">
+                <a:fgClr>
+                  <a:schemeClr val="bg1">
+                    <a:lumMod val="50000"/>
+                  </a:schemeClr>
+                </a:fgClr>
+                <a:bgClr>
+                  <a:schemeClr val="tx1">
+                    <a:lumMod val="75000"/>
+                    <a:lumOff val="25000"/>
+                  </a:schemeClr>
+                </a:bgClr>
+              </a:pattFill>
+              <a:effectLst>
+                <a:outerShdw blurRad="38100" dist="19050" dir="2700000" algn="tl" rotWithShape="0">
+                  <a:schemeClr val="dk1">
+                    <a:lumMod val="50000"/>
+                    <a:alpha val="40000"/>
+                  </a:schemeClr>
+                </a:outerShdw>
+              </a:effectLst>
+            </a:endParaRPr>
+          </a:p>
+        </p:txBody>
+      </p:sp>
+      <p:sp>
+        <p:nvSpPr>
+          <p:cNvPr id="4" name="Text Box 3"/>
+          <p:cNvSpPr txBox="1"/>
+          <p:nvPr/>
+        </p:nvSpPr>
+        <p:spPr>
+          <a:xfrm>
+            <a:off x="1136650" y="3350895"/>
+            <a:ext cx="9919335" cy="583565"/>
+          </a:xfrm>
+          <a:prstGeom prst="rect">
+            <a:avLst/>
+          </a:prstGeom>
+          <a:noFill/>
+        </p:spPr>
+        <p:txBody>
+          <a:bodyPr wrap="square" rtlCol="0">
+            <a:spAutoFit/>
+          </a:bodyPr>
+          <a:lstStyle/>
+          <a:p>
+            <a:pPr indent="0">
+              <a:buNone/>
+            </a:pPr>
+            <a:r>
+              <a:rPr lang="en-IN" altLang="en-GB" sz="3200" b="1" dirty="0"/>
+              <a:t>			</a:t>
+            </a:r>
+            <a:r>
+              <a:rPr lang="en-IN" altLang="en-GB" sz="3200" b="1" dirty="0" smtClean="0"/>
+              <a:t>27/02/2019 </a:t>
+            </a:r>
+            <a:r>
+              <a:rPr lang="en-IN" altLang="en-GB" sz="3200" b="1" dirty="0"/>
+              <a:t>to 06</a:t>
+            </a:r>
+            <a:r>
+              <a:rPr lang="en-IN" altLang="en-GB" sz="3200" b="1" dirty="0" smtClean="0"/>
+              <a:t>/03/2019</a:t>
+            </a:r>
+            <a:endParaRPr lang="en-IN" altLang="en-GB" sz="3200" b="1" dirty="0"/>
+          </a:p>
+        </p:txBody>
+      </p:sp>
+    </p:spTree>
+  </p:cSld>
+  <p:clrMapOvr>
+    <a:masterClrMapping/>
+  </p:clrMapOvr>
+</p:sld>
+</file>
+
+<file path=ppt/slides/slide32.xml><?xml version="1.0" encoding="utf-8"?>
+<p:sld xmlns:a="http://schemas.openxmlformats.org/drawingml/2006/main" xmlns:r="http://schemas.openxmlformats.org/officeDocument/2006/relationships" xmlns:p="http://schemas.openxmlformats.org/presentationml/2006/main">
+  <p:cSld>
+    <p:spTree>
+      <p:nvGrpSpPr>
+        <p:cNvPr id="1" name=""/>
+        <p:cNvGrpSpPr/>
+        <p:nvPr/>
+      </p:nvGrpSpPr>
+      <p:grpSpPr>
+        <a:xfrm>
+          <a:off x="0" y="0"/>
+          <a:ext cx="0" cy="0"/>
+          <a:chOff x="0" y="0"/>
+          <a:chExt cx="0" cy="0"/>
+        </a:xfrm>
+      </p:grpSpPr>
+      <p:sp>
+        <p:nvSpPr>
+          <p:cNvPr id="5" name="Text Box 4"/>
+          <p:cNvSpPr txBox="1"/>
+          <p:nvPr/>
+        </p:nvSpPr>
+        <p:spPr>
+          <a:xfrm>
+            <a:off x="9610090" y="89535"/>
+            <a:ext cx="2352040" cy="306705"/>
+          </a:xfrm>
+          <a:prstGeom prst="rect">
+            <a:avLst/>
+          </a:prstGeom>
+          <a:noFill/>
+        </p:spPr>
+        <p:txBody>
+          <a:bodyPr wrap="square" rtlCol="0">
+            <a:spAutoFit/>
+          </a:bodyPr>
+          <a:lstStyle/>
+          <a:p>
+            <a:pPr indent="0">
+              <a:buNone/>
+            </a:pPr>
+            <a:r>
+              <a:rPr lang="en-IN" altLang="en-GB" sz="1400" b="1" dirty="0" smtClean="0"/>
+              <a:t>27/02/2019 </a:t>
+            </a:r>
+            <a:r>
+              <a:rPr lang="en-IN" altLang="en-GB" sz="1400" b="1" dirty="0"/>
+              <a:t>to 06</a:t>
+            </a:r>
+            <a:r>
+              <a:rPr lang="en-IN" altLang="en-GB" sz="1400" b="1" dirty="0" smtClean="0"/>
+              <a:t>/03/2019</a:t>
+            </a:r>
+            <a:endParaRPr lang="en-IN" altLang="en-GB" sz="1400" b="1" dirty="0"/>
+          </a:p>
+        </p:txBody>
+      </p:sp>
+      <p:sp>
+        <p:nvSpPr>
+          <p:cNvPr id="2" name="Rectangle 1"/>
+          <p:cNvSpPr/>
+          <p:nvPr/>
+        </p:nvSpPr>
+        <p:spPr>
+          <a:xfrm>
+            <a:off x="451486" y="477520"/>
+            <a:ext cx="11415395" cy="860425"/>
+          </a:xfrm>
+          <a:prstGeom prst="rect">
+            <a:avLst/>
+          </a:prstGeom>
+          <a:noFill/>
+          <a:ln>
+            <a:noFill/>
+          </a:ln>
+        </p:spPr>
+        <p:txBody>
+          <a:bodyPr wrap="none" rtlCol="0" anchor="t">
+            <a:spAutoFit/>
+          </a:bodyPr>
+          <a:lstStyle/>
+          <a:p>
+            <a:pPr algn="ctr"/>
+            <a:r>
+              <a:rPr lang="en-IN" altLang="en-GB" sz="5000" b="1">
+                <a:pattFill prst="dkUpDiag">
+                  <a:fgClr>
+                    <a:schemeClr val="bg1">
+                      <a:lumMod val="50000"/>
+                    </a:schemeClr>
+                  </a:fgClr>
+                  <a:bgClr>
+                    <a:schemeClr val="tx1">
+                      <a:lumMod val="75000"/>
+                      <a:lumOff val="25000"/>
+                    </a:schemeClr>
+                  </a:bgClr>
+                </a:pattFill>
+                <a:effectLst>
+                  <a:outerShdw blurRad="38100" dist="19050" dir="2700000" algn="tl" rotWithShape="0">
+                    <a:schemeClr val="dk1">
+                      <a:lumMod val="50000"/>
+                      <a:alpha val="40000"/>
+                    </a:schemeClr>
+                  </a:outerShdw>
+                </a:effectLst>
+              </a:rPr>
+              <a:t>Installation of Apache Server for PHP</a:t>
+            </a:r>
+            <a:endParaRPr lang="en-IN" altLang="en-GB" sz="5000" b="1">
+              <a:pattFill prst="dkUpDiag">
+                <a:fgClr>
+                  <a:schemeClr val="bg1">
+                    <a:lumMod val="50000"/>
+                  </a:schemeClr>
+                </a:fgClr>
+                <a:bgClr>
+                  <a:schemeClr val="tx1">
+                    <a:lumMod val="75000"/>
+                    <a:lumOff val="25000"/>
+                  </a:schemeClr>
+                </a:bgClr>
+              </a:pattFill>
+              <a:effectLst>
+                <a:outerShdw blurRad="38100" dist="19050" dir="2700000" algn="tl" rotWithShape="0">
+                  <a:schemeClr val="dk1">
+                    <a:lumMod val="50000"/>
+                    <a:alpha val="40000"/>
+                  </a:schemeClr>
+                </a:outerShdw>
+              </a:effectLst>
+            </a:endParaRPr>
+          </a:p>
+        </p:txBody>
+      </p:sp>
+      <p:pic>
+        <p:nvPicPr>
+          <p:cNvPr id="3" name="Picture 2" descr="Screenshot (20)"/>
+          <p:cNvPicPr>
+            <a:picLocks noChangeAspect="1"/>
+          </p:cNvPicPr>
+          <p:nvPr/>
+        </p:nvPicPr>
+        <p:blipFill>
+          <a:blip r:embed="rId1"/>
+          <a:stretch>
+            <a:fillRect/>
+          </a:stretch>
+        </p:blipFill>
+        <p:spPr>
+          <a:xfrm>
+            <a:off x="1798320" y="1736090"/>
+            <a:ext cx="8564880" cy="4815840"/>
+          </a:xfrm>
+          <a:prstGeom prst="rect">
+            <a:avLst/>
+          </a:prstGeom>
+        </p:spPr>
+      </p:pic>
+    </p:spTree>
+  </p:cSld>
+  <p:clrMapOvr>
+    <a:masterClrMapping/>
+  </p:clrMapOvr>
+</p:sld>
+</file>
+
+<file path=ppt/slides/slide33.xml><?xml version="1.0" encoding="utf-8"?>
+<p:sld xmlns:a="http://schemas.openxmlformats.org/drawingml/2006/main" xmlns:r="http://schemas.openxmlformats.org/officeDocument/2006/relationships" xmlns:p="http://schemas.openxmlformats.org/presentationml/2006/main">
+  <p:cSld>
+    <p:spTree>
+      <p:nvGrpSpPr>
+        <p:cNvPr id="1" name=""/>
+        <p:cNvGrpSpPr/>
+        <p:nvPr/>
+      </p:nvGrpSpPr>
+      <p:grpSpPr>
+        <a:xfrm>
+          <a:off x="0" y="0"/>
+          <a:ext cx="0" cy="0"/>
+          <a:chOff x="0" y="0"/>
+          <a:chExt cx="0" cy="0"/>
+        </a:xfrm>
+      </p:grpSpPr>
+      <p:sp>
+        <p:nvSpPr>
+          <p:cNvPr id="5" name="Text Box 4"/>
+          <p:cNvSpPr txBox="1"/>
+          <p:nvPr/>
+        </p:nvSpPr>
+        <p:spPr>
+          <a:xfrm>
+            <a:off x="9610090" y="89535"/>
+            <a:ext cx="2352040" cy="306705"/>
+          </a:xfrm>
+          <a:prstGeom prst="rect">
+            <a:avLst/>
+          </a:prstGeom>
+          <a:noFill/>
+        </p:spPr>
+        <p:txBody>
+          <a:bodyPr wrap="square" rtlCol="0">
+            <a:spAutoFit/>
+          </a:bodyPr>
+          <a:lstStyle/>
+          <a:p>
+            <a:pPr indent="0">
+              <a:buNone/>
+            </a:pPr>
+            <a:r>
+              <a:rPr lang="en-IN" altLang="en-GB" sz="1400" b="1" dirty="0" smtClean="0"/>
+              <a:t>27/02/2019 </a:t>
+            </a:r>
+            <a:r>
+              <a:rPr lang="en-IN" altLang="en-GB" sz="1400" b="1" dirty="0"/>
+              <a:t>to 06</a:t>
+            </a:r>
+            <a:r>
+              <a:rPr lang="en-IN" altLang="en-GB" sz="1400" b="1" dirty="0" smtClean="0"/>
+              <a:t>/03/2019</a:t>
+            </a:r>
+            <a:endParaRPr lang="en-IN" altLang="en-GB" sz="1400" b="1" dirty="0"/>
+          </a:p>
+        </p:txBody>
+      </p:sp>
+      <p:sp>
+        <p:nvSpPr>
+          <p:cNvPr id="2" name="Rectangle 1"/>
+          <p:cNvSpPr/>
+          <p:nvPr/>
+        </p:nvSpPr>
+        <p:spPr>
+          <a:xfrm>
+            <a:off x="1798321" y="309245"/>
+            <a:ext cx="8721725" cy="860425"/>
+          </a:xfrm>
+          <a:prstGeom prst="rect">
+            <a:avLst/>
+          </a:prstGeom>
+          <a:noFill/>
+          <a:ln>
+            <a:noFill/>
+          </a:ln>
+        </p:spPr>
+        <p:txBody>
+          <a:bodyPr wrap="none" rtlCol="0" anchor="t">
+            <a:spAutoFit/>
+          </a:bodyPr>
+          <a:lstStyle/>
+          <a:p>
+            <a:pPr algn="ctr"/>
+            <a:r>
+              <a:rPr lang="en-IN" altLang="en-GB" sz="5000" b="1">
+                <a:pattFill prst="dkUpDiag">
+                  <a:fgClr>
+                    <a:schemeClr val="bg1">
+                      <a:lumMod val="50000"/>
+                    </a:schemeClr>
+                  </a:fgClr>
+                  <a:bgClr>
+                    <a:schemeClr val="tx1">
+                      <a:lumMod val="75000"/>
+                      <a:lumOff val="25000"/>
+                    </a:schemeClr>
+                  </a:bgClr>
+                </a:pattFill>
+                <a:effectLst>
+                  <a:outerShdw blurRad="38100" dist="19050" dir="2700000" algn="tl" rotWithShape="0">
+                    <a:schemeClr val="dk1">
+                      <a:lumMod val="50000"/>
+                      <a:alpha val="40000"/>
+                    </a:schemeClr>
+                  </a:outerShdw>
+                </a:effectLst>
+              </a:rPr>
+              <a:t>Implementation of DataBase</a:t>
+            </a:r>
+            <a:endParaRPr lang="en-IN" altLang="en-GB" sz="5000" b="1">
+              <a:pattFill prst="dkUpDiag">
+                <a:fgClr>
+                  <a:schemeClr val="bg1">
+                    <a:lumMod val="50000"/>
+                  </a:schemeClr>
+                </a:fgClr>
+                <a:bgClr>
+                  <a:schemeClr val="tx1">
+                    <a:lumMod val="75000"/>
+                    <a:lumOff val="25000"/>
+                  </a:schemeClr>
+                </a:bgClr>
+              </a:pattFill>
+              <a:effectLst>
+                <a:outerShdw blurRad="38100" dist="19050" dir="2700000" algn="tl" rotWithShape="0">
+                  <a:schemeClr val="dk1">
+                    <a:lumMod val="50000"/>
+                    <a:alpha val="40000"/>
+                  </a:schemeClr>
+                </a:outerShdw>
+              </a:effectLst>
+            </a:endParaRPr>
+          </a:p>
+        </p:txBody>
+      </p:sp>
+      <p:pic>
+        <p:nvPicPr>
+          <p:cNvPr id="4" name="Picture 3" descr="Screenshot (21)"/>
+          <p:cNvPicPr>
+            <a:picLocks noChangeAspect="1"/>
+          </p:cNvPicPr>
+          <p:nvPr/>
+        </p:nvPicPr>
+        <p:blipFill>
+          <a:blip r:embed="rId1"/>
+          <a:stretch>
+            <a:fillRect/>
+          </a:stretch>
+        </p:blipFill>
+        <p:spPr>
+          <a:xfrm>
+            <a:off x="1347470" y="1169670"/>
+            <a:ext cx="9623425" cy="5410835"/>
+          </a:xfrm>
+          <a:prstGeom prst="rect">
+            <a:avLst/>
+          </a:prstGeom>
+        </p:spPr>
+      </p:pic>
+    </p:spTree>
+  </p:cSld>
+  <p:clrMapOvr>
+    <a:masterClrMapping/>
+  </p:clrMapOvr>
+</p:sld>
+</file>
+
+<file path=ppt/slides/slide34.xml><?xml version="1.0" encoding="utf-8"?>
+<p:sld xmlns:a="http://schemas.openxmlformats.org/drawingml/2006/main" xmlns:r="http://schemas.openxmlformats.org/officeDocument/2006/relationships" xmlns:p="http://schemas.openxmlformats.org/presentationml/2006/main">
+  <p:cSld>
+    <p:spTree>
+      <p:nvGrpSpPr>
+        <p:cNvPr id="1" name=""/>
+        <p:cNvGrpSpPr/>
+        <p:nvPr/>
+      </p:nvGrpSpPr>
+      <p:grpSpPr>
+        <a:xfrm>
+          <a:off x="0" y="0"/>
+          <a:ext cx="0" cy="0"/>
+          <a:chOff x="0" y="0"/>
+          <a:chExt cx="0" cy="0"/>
+        </a:xfrm>
+      </p:grpSpPr>
+      <p:sp>
+        <p:nvSpPr>
+          <p:cNvPr id="5" name="Text Box 4"/>
+          <p:cNvSpPr txBox="1"/>
+          <p:nvPr/>
+        </p:nvSpPr>
+        <p:spPr>
+          <a:xfrm>
+            <a:off x="9610090" y="89535"/>
+            <a:ext cx="2352040" cy="306705"/>
+          </a:xfrm>
+          <a:prstGeom prst="rect">
+            <a:avLst/>
+          </a:prstGeom>
+          <a:noFill/>
+        </p:spPr>
+        <p:txBody>
+          <a:bodyPr wrap="square" rtlCol="0">
+            <a:spAutoFit/>
+          </a:bodyPr>
+          <a:lstStyle/>
+          <a:p>
+            <a:pPr indent="0">
+              <a:buNone/>
+            </a:pPr>
+            <a:r>
+              <a:rPr lang="en-IN" altLang="en-GB" sz="1400" b="1" dirty="0" smtClean="0"/>
+              <a:t>27/02/2019 </a:t>
+            </a:r>
+            <a:r>
+              <a:rPr lang="en-IN" altLang="en-GB" sz="1400" b="1" dirty="0"/>
+              <a:t>to 06</a:t>
+            </a:r>
+            <a:r>
+              <a:rPr lang="en-IN" altLang="en-GB" sz="1400" b="1" dirty="0" smtClean="0"/>
+              <a:t>/03/2019</a:t>
+            </a:r>
+            <a:endParaRPr lang="en-IN" altLang="en-GB" sz="1400" b="1" dirty="0"/>
+          </a:p>
+        </p:txBody>
+      </p:sp>
+      <p:sp>
+        <p:nvSpPr>
+          <p:cNvPr id="2" name="Rectangle 1"/>
+          <p:cNvSpPr/>
+          <p:nvPr/>
+        </p:nvSpPr>
+        <p:spPr>
+          <a:xfrm>
+            <a:off x="4538981" y="309245"/>
+            <a:ext cx="3240405" cy="860425"/>
+          </a:xfrm>
+          <a:prstGeom prst="rect">
+            <a:avLst/>
+          </a:prstGeom>
+          <a:noFill/>
+          <a:ln>
+            <a:noFill/>
+          </a:ln>
+        </p:spPr>
+        <p:txBody>
+          <a:bodyPr wrap="none" rtlCol="0" anchor="t">
+            <a:spAutoFit/>
+          </a:bodyPr>
+          <a:lstStyle/>
+          <a:p>
+            <a:pPr algn="ctr"/>
+            <a:r>
+              <a:rPr lang="en-IN" altLang="en-GB" sz="5000" b="1">
+                <a:pattFill prst="dkUpDiag">
+                  <a:fgClr>
+                    <a:schemeClr val="bg1">
+                      <a:lumMod val="50000"/>
+                    </a:schemeClr>
+                  </a:fgClr>
+                  <a:bgClr>
+                    <a:schemeClr val="tx1">
+                      <a:lumMod val="75000"/>
+                      <a:lumOff val="25000"/>
+                    </a:schemeClr>
+                  </a:bgClr>
+                </a:pattFill>
+                <a:effectLst>
+                  <a:outerShdw blurRad="38100" dist="19050" dir="2700000" algn="tl" rotWithShape="0">
+                    <a:schemeClr val="dk1">
+                      <a:lumMod val="50000"/>
+                      <a:alpha val="40000"/>
+                    </a:schemeClr>
+                  </a:outerShdw>
+                </a:effectLst>
+              </a:rPr>
+              <a:t>PHP Code</a:t>
+            </a:r>
+            <a:endParaRPr lang="en-IN" altLang="en-GB" sz="5000" b="1">
+              <a:pattFill prst="dkUpDiag">
+                <a:fgClr>
+                  <a:schemeClr val="bg1">
+                    <a:lumMod val="50000"/>
+                  </a:schemeClr>
+                </a:fgClr>
+                <a:bgClr>
+                  <a:schemeClr val="tx1">
+                    <a:lumMod val="75000"/>
+                    <a:lumOff val="25000"/>
+                  </a:schemeClr>
+                </a:bgClr>
+              </a:pattFill>
+              <a:effectLst>
+                <a:outerShdw blurRad="38100" dist="19050" dir="2700000" algn="tl" rotWithShape="0">
+                  <a:schemeClr val="dk1">
+                    <a:lumMod val="50000"/>
+                    <a:alpha val="40000"/>
+                  </a:schemeClr>
+                </a:outerShdw>
+              </a:effectLst>
+            </a:endParaRPr>
+          </a:p>
+        </p:txBody>
+      </p:sp>
+      <p:pic>
+        <p:nvPicPr>
+          <p:cNvPr id="3" name="Picture 2" descr="php code"/>
+          <p:cNvPicPr>
+            <a:picLocks noChangeAspect="1"/>
+          </p:cNvPicPr>
+          <p:nvPr/>
+        </p:nvPicPr>
+        <p:blipFill>
+          <a:blip r:embed="rId1"/>
+          <a:stretch>
+            <a:fillRect/>
+          </a:stretch>
+        </p:blipFill>
+        <p:spPr>
+          <a:xfrm>
+            <a:off x="1129665" y="1349375"/>
+            <a:ext cx="10058400" cy="4159885"/>
+          </a:xfrm>
+          <a:prstGeom prst="rect">
+            <a:avLst/>
+          </a:prstGeom>
+        </p:spPr>
+      </p:pic>
+    </p:spTree>
+  </p:cSld>
+  <p:clrMapOvr>
+    <a:masterClrMapping/>
+  </p:clrMapOvr>
+</p:sld>
+</file>
+
+<file path=ppt/slides/slide35.xml><?xml version="1.0" encoding="utf-8"?>
+<p:sld xmlns:a="http://schemas.openxmlformats.org/drawingml/2006/main" xmlns:r="http://schemas.openxmlformats.org/officeDocument/2006/relationships" xmlns:p="http://schemas.openxmlformats.org/presentationml/2006/main">
+  <p:cSld>
+    <p:spTree>
+      <p:nvGrpSpPr>
+        <p:cNvPr id="1" name=""/>
+        <p:cNvGrpSpPr/>
+        <p:nvPr/>
+      </p:nvGrpSpPr>
+      <p:grpSpPr>
+        <a:xfrm>
+          <a:off x="0" y="0"/>
+          <a:ext cx="0" cy="0"/>
+          <a:chOff x="0" y="0"/>
+          <a:chExt cx="0" cy="0"/>
+        </a:xfrm>
+      </p:grpSpPr>
+      <p:sp>
+        <p:nvSpPr>
+          <p:cNvPr id="5" name="Text Box 4"/>
+          <p:cNvSpPr txBox="1"/>
+          <p:nvPr/>
+        </p:nvSpPr>
+        <p:spPr>
+          <a:xfrm>
+            <a:off x="9610090" y="89535"/>
+            <a:ext cx="2352040" cy="306705"/>
+          </a:xfrm>
+          <a:prstGeom prst="rect">
+            <a:avLst/>
+          </a:prstGeom>
+          <a:noFill/>
+        </p:spPr>
+        <p:txBody>
+          <a:bodyPr wrap="square" rtlCol="0">
+            <a:spAutoFit/>
+          </a:bodyPr>
+          <a:lstStyle/>
+          <a:p>
+            <a:pPr indent="0">
+              <a:buNone/>
+            </a:pPr>
+            <a:r>
+              <a:rPr lang="en-IN" altLang="en-GB" sz="1400" b="1" dirty="0" smtClean="0"/>
+              <a:t>27/02/2019 </a:t>
+            </a:r>
+            <a:r>
+              <a:rPr lang="en-IN" altLang="en-GB" sz="1400" b="1" dirty="0"/>
+              <a:t>to 06</a:t>
+            </a:r>
+            <a:r>
+              <a:rPr lang="en-IN" altLang="en-GB" sz="1400" b="1" dirty="0" smtClean="0"/>
+              <a:t>/03/2019</a:t>
+            </a:r>
+            <a:endParaRPr lang="en-IN" altLang="en-GB" sz="1400" b="1" dirty="0"/>
+          </a:p>
+        </p:txBody>
+      </p:sp>
+      <p:sp>
+        <p:nvSpPr>
+          <p:cNvPr id="2" name="Rectangle 1"/>
+          <p:cNvSpPr/>
+          <p:nvPr/>
+        </p:nvSpPr>
+        <p:spPr>
+          <a:xfrm>
+            <a:off x="3956686" y="309245"/>
+            <a:ext cx="4404995" cy="860425"/>
+          </a:xfrm>
+          <a:prstGeom prst="rect">
+            <a:avLst/>
+          </a:prstGeom>
+          <a:noFill/>
+          <a:ln>
+            <a:noFill/>
+          </a:ln>
+        </p:spPr>
+        <p:txBody>
+          <a:bodyPr wrap="none" rtlCol="0" anchor="t">
+            <a:spAutoFit/>
+          </a:bodyPr>
+          <a:lstStyle/>
+          <a:p>
+            <a:pPr algn="ctr"/>
+            <a:r>
+              <a:rPr lang="en-IN" altLang="en-GB" sz="5000" b="1">
+                <a:pattFill prst="dkUpDiag">
+                  <a:fgClr>
+                    <a:schemeClr val="bg1">
+                      <a:lumMod val="50000"/>
+                    </a:schemeClr>
+                  </a:fgClr>
+                  <a:bgClr>
+                    <a:schemeClr val="tx1">
+                      <a:lumMod val="75000"/>
+                      <a:lumOff val="25000"/>
+                    </a:schemeClr>
+                  </a:bgClr>
+                </a:pattFill>
+                <a:effectLst>
+                  <a:outerShdw blurRad="38100" dist="19050" dir="2700000" algn="tl" rotWithShape="0">
+                    <a:schemeClr val="dk1">
+                      <a:lumMod val="50000"/>
+                      <a:alpha val="40000"/>
+                    </a:schemeClr>
+                  </a:outerShdw>
+                </a:effectLst>
+              </a:rPr>
+              <a:t>Work Division</a:t>
+            </a:r>
+            <a:endParaRPr lang="en-IN" altLang="en-GB" sz="5000" b="1">
+              <a:pattFill prst="dkUpDiag">
+                <a:fgClr>
+                  <a:schemeClr val="bg1">
+                    <a:lumMod val="50000"/>
+                  </a:schemeClr>
+                </a:fgClr>
+                <a:bgClr>
+                  <a:schemeClr val="tx1">
+                    <a:lumMod val="75000"/>
+                    <a:lumOff val="25000"/>
+                  </a:schemeClr>
+                </a:bgClr>
+              </a:pattFill>
+              <a:effectLst>
+                <a:outerShdw blurRad="38100" dist="19050" dir="2700000" algn="tl" rotWithShape="0">
+                  <a:schemeClr val="dk1">
+                    <a:lumMod val="50000"/>
+                    <a:alpha val="40000"/>
+                  </a:schemeClr>
+                </a:outerShdw>
+              </a:effectLst>
+            </a:endParaRPr>
+          </a:p>
+        </p:txBody>
+      </p:sp>
+      <p:sp>
+        <p:nvSpPr>
+          <p:cNvPr id="4" name="Text Box 3"/>
+          <p:cNvSpPr txBox="1"/>
+          <p:nvPr/>
+        </p:nvSpPr>
+        <p:spPr>
+          <a:xfrm>
+            <a:off x="727075" y="2690495"/>
+            <a:ext cx="11587480" cy="1476375"/>
+          </a:xfrm>
+          <a:prstGeom prst="rect">
+            <a:avLst/>
+          </a:prstGeom>
+          <a:noFill/>
+        </p:spPr>
+        <p:txBody>
+          <a:bodyPr wrap="square" rtlCol="0">
+            <a:spAutoFit/>
+          </a:bodyPr>
+          <a:p>
+            <a:r>
+              <a:rPr lang="en-IN" altLang="en-GB" b="1"/>
+              <a:t>1. Creation of Database and Table : Yashwant </a:t>
+            </a:r>
+            <a:endParaRPr lang="en-IN" altLang="en-GB" b="1"/>
+          </a:p>
+          <a:p>
+            <a:endParaRPr lang="en-IN" altLang="en-GB" b="1"/>
+          </a:p>
+          <a:p>
+            <a:r>
+              <a:rPr lang="en-IN" altLang="en-GB" b="1"/>
+              <a:t>2. Code for PHP : Rishabh and Apurva</a:t>
+            </a:r>
+            <a:endParaRPr lang="en-IN" altLang="en-GB" b="1"/>
+          </a:p>
+          <a:p>
+            <a:endParaRPr lang="en-IN" altLang="en-GB" b="1"/>
+          </a:p>
+          <a:p>
+            <a:r>
+              <a:rPr lang="en-IN" altLang="en-GB" b="1"/>
+              <a:t>3. PPT : Apurva</a:t>
+            </a:r>
+            <a:endParaRPr lang="en-IN" altLang="en-GB" b="1"/>
+          </a:p>
+        </p:txBody>
+      </p:sp>
+    </p:spTree>
+  </p:cSld>
+  <p:clrMapOvr>
+    <a:masterClrMapping/>
+  </p:clrMapOvr>
+</p:sld>
+</file>
+
+<file path=ppt/slides/slide36.xml><?xml version="1.0" encoding="utf-8"?>
+<p:sld xmlns:a="http://schemas.openxmlformats.org/drawingml/2006/main" xmlns:r="http://schemas.openxmlformats.org/officeDocument/2006/relationships" xmlns:p="http://schemas.openxmlformats.org/presentationml/2006/main">
+  <p:cSld>
+    <p:spTree>
+      <p:nvGrpSpPr>
+        <p:cNvPr id="1" name=""/>
+        <p:cNvGrpSpPr/>
+        <p:nvPr/>
+      </p:nvGrpSpPr>
+      <p:grpSpPr>
+        <a:xfrm>
+          <a:off x="0" y="0"/>
+          <a:ext cx="0" cy="0"/>
+          <a:chOff x="0" y="0"/>
+          <a:chExt cx="0" cy="0"/>
+        </a:xfrm>
+      </p:grpSpPr>
+      <p:sp>
+        <p:nvSpPr>
+          <p:cNvPr id="5" name="Text Box 4"/>
+          <p:cNvSpPr txBox="1"/>
+          <p:nvPr/>
+        </p:nvSpPr>
+        <p:spPr>
+          <a:xfrm>
+            <a:off x="9610090" y="89535"/>
+            <a:ext cx="2352040" cy="306705"/>
+          </a:xfrm>
+          <a:prstGeom prst="rect">
+            <a:avLst/>
+          </a:prstGeom>
+          <a:noFill/>
+        </p:spPr>
+        <p:txBody>
+          <a:bodyPr wrap="square" rtlCol="0">
+            <a:spAutoFit/>
+          </a:bodyPr>
+          <a:lstStyle/>
+          <a:p>
+            <a:pPr indent="0">
+              <a:buNone/>
+            </a:pPr>
+            <a:r>
+              <a:rPr lang="en-IN" altLang="en-GB" sz="1400" b="1" dirty="0" smtClean="0"/>
+              <a:t>27/02/2019 </a:t>
+            </a:r>
+            <a:r>
+              <a:rPr lang="en-IN" altLang="en-GB" sz="1400" b="1" dirty="0"/>
+              <a:t>to 06</a:t>
+            </a:r>
+            <a:r>
+              <a:rPr lang="en-IN" altLang="en-GB" sz="1400" b="1" dirty="0" smtClean="0"/>
+              <a:t>/03/2019</a:t>
+            </a:r>
+            <a:endParaRPr lang="en-IN" altLang="en-GB" sz="1400" b="1" dirty="0"/>
+          </a:p>
+        </p:txBody>
+      </p:sp>
+      <p:sp>
+        <p:nvSpPr>
+          <p:cNvPr id="2" name="Rectangle 1"/>
+          <p:cNvSpPr/>
+          <p:nvPr/>
+        </p:nvSpPr>
+        <p:spPr>
+          <a:xfrm>
+            <a:off x="3109596" y="309245"/>
+            <a:ext cx="6099175" cy="860425"/>
+          </a:xfrm>
+          <a:prstGeom prst="rect">
+            <a:avLst/>
+          </a:prstGeom>
+          <a:noFill/>
+          <a:ln>
+            <a:noFill/>
+          </a:ln>
+        </p:spPr>
+        <p:txBody>
+          <a:bodyPr wrap="none" rtlCol="0" anchor="t">
+            <a:spAutoFit/>
+          </a:bodyPr>
+          <a:lstStyle/>
+          <a:p>
+            <a:pPr algn="ctr"/>
+            <a:r>
+              <a:rPr lang="en-IN" altLang="en-GB" sz="5000" b="1">
+                <a:pattFill prst="dkUpDiag">
+                  <a:fgClr>
+                    <a:schemeClr val="bg1">
+                      <a:lumMod val="50000"/>
+                    </a:schemeClr>
+                  </a:fgClr>
+                  <a:bgClr>
+                    <a:schemeClr val="tx1">
+                      <a:lumMod val="75000"/>
+                      <a:lumOff val="25000"/>
+                    </a:schemeClr>
+                  </a:bgClr>
+                </a:pattFill>
+                <a:effectLst>
+                  <a:outerShdw blurRad="38100" dist="19050" dir="2700000" algn="tl" rotWithShape="0">
+                    <a:schemeClr val="dk1">
+                      <a:lumMod val="50000"/>
+                      <a:alpha val="40000"/>
+                    </a:schemeClr>
+                  </a:outerShdw>
+                </a:effectLst>
+              </a:rPr>
+              <a:t>Plan For Next Week</a:t>
+            </a:r>
+            <a:endParaRPr lang="en-IN" altLang="en-GB" sz="5000" b="1">
+              <a:pattFill prst="dkUpDiag">
+                <a:fgClr>
+                  <a:schemeClr val="bg1">
+                    <a:lumMod val="50000"/>
+                  </a:schemeClr>
+                </a:fgClr>
+                <a:bgClr>
+                  <a:schemeClr val="tx1">
+                    <a:lumMod val="75000"/>
+                    <a:lumOff val="25000"/>
+                  </a:schemeClr>
+                </a:bgClr>
+              </a:pattFill>
+              <a:effectLst>
+                <a:outerShdw blurRad="38100" dist="19050" dir="2700000" algn="tl" rotWithShape="0">
+                  <a:schemeClr val="dk1">
+                    <a:lumMod val="50000"/>
+                    <a:alpha val="40000"/>
+                  </a:schemeClr>
+                </a:outerShdw>
+              </a:effectLst>
+            </a:endParaRPr>
+          </a:p>
+        </p:txBody>
+      </p:sp>
+      <p:sp>
+        <p:nvSpPr>
+          <p:cNvPr id="4" name="Text Box 3"/>
+          <p:cNvSpPr txBox="1"/>
+          <p:nvPr/>
+        </p:nvSpPr>
+        <p:spPr>
+          <a:xfrm>
+            <a:off x="727075" y="2690495"/>
+            <a:ext cx="11587480" cy="922020"/>
+          </a:xfrm>
+          <a:prstGeom prst="rect">
+            <a:avLst/>
+          </a:prstGeom>
+          <a:noFill/>
+        </p:spPr>
+        <p:txBody>
+          <a:bodyPr wrap="square" rtlCol="0">
+            <a:spAutoFit/>
+          </a:bodyPr>
+          <a:p>
+            <a:r>
+              <a:rPr lang="en-IN" altLang="en-GB" b="1"/>
+              <a:t>Connecting Login Form with PHP and MYSQL database</a:t>
+            </a:r>
+            <a:endParaRPr lang="en-IN" altLang="en-GB" b="1"/>
+          </a:p>
+          <a:p>
+            <a:endParaRPr lang="en-IN" altLang="en-GB" b="1"/>
+          </a:p>
+          <a:p>
+            <a:r>
+              <a:rPr lang="en-IN" altLang="en-GB" b="1"/>
+              <a:t>Creating of Student Panel</a:t>
+            </a:r>
+            <a:endParaRPr lang="en-IN" altLang="en-GB" b="1"/>
+          </a:p>
+        </p:txBody>
+      </p:sp>
+    </p:spTree>
+  </p:cSld>
+  <p:clrMapOvr>
+    <a:masterClrMapping/>
+  </p:clrMapOvr>
+</p:sld>
+</file>
+
+<file path=ppt/slides/slide37.xml><?xml version="1.0" encoding="utf-8"?>
+<p:sld xmlns:a="http://schemas.openxmlformats.org/drawingml/2006/main" xmlns:r="http://schemas.openxmlformats.org/officeDocument/2006/relationships" xmlns:p="http://schemas.openxmlformats.org/presentationml/2006/main">
+  <p:cSld>
+    <p:spTree>
+      <p:nvGrpSpPr>
+        <p:cNvPr id="1" name=""/>
+        <p:cNvGrpSpPr/>
+        <p:nvPr/>
+      </p:nvGrpSpPr>
+      <p:grpSpPr>
+        <a:xfrm>
+          <a:off x="0" y="0"/>
+          <a:ext cx="0" cy="0"/>
+          <a:chOff x="0" y="0"/>
+          <a:chExt cx="0" cy="0"/>
+        </a:xfrm>
+      </p:grpSpPr>
+      <p:sp>
+        <p:nvSpPr>
+          <p:cNvPr id="3" name="Rectangle 2"/>
+          <p:cNvSpPr/>
+          <p:nvPr/>
+        </p:nvSpPr>
+        <p:spPr>
+          <a:xfrm>
+            <a:off x="4800052" y="2331720"/>
+            <a:ext cx="2617470" cy="860425"/>
+          </a:xfrm>
+          <a:prstGeom prst="rect">
+            <a:avLst/>
+          </a:prstGeom>
+          <a:noFill/>
+          <a:ln>
+            <a:noFill/>
+          </a:ln>
+        </p:spPr>
+        <p:txBody>
+          <a:bodyPr wrap="none" rtlCol="0" anchor="t">
+            <a:spAutoFit/>
+          </a:bodyPr>
+          <a:lstStyle/>
+          <a:p>
+            <a:pPr algn="ctr"/>
+            <a:r>
+              <a:rPr lang="en-IN" altLang="en-GB" sz="5000" b="1" dirty="0" smtClean="0">
+                <a:pattFill prst="dkUpDiag">
+                  <a:fgClr>
+                    <a:schemeClr val="bg1">
+                      <a:lumMod val="50000"/>
+                    </a:schemeClr>
+                  </a:fgClr>
+                  <a:bgClr>
+                    <a:schemeClr val="tx1">
+                      <a:lumMod val="75000"/>
+                      <a:lumOff val="25000"/>
+                    </a:schemeClr>
+                  </a:bgClr>
+                </a:pattFill>
+                <a:effectLst>
+                  <a:outerShdw blurRad="38100" dist="19050" dir="2700000" algn="tl" rotWithShape="0">
+                    <a:schemeClr val="dk1">
+                      <a:lumMod val="50000"/>
+                      <a:alpha val="40000"/>
+                    </a:schemeClr>
+                  </a:outerShdw>
+                </a:effectLst>
+              </a:rPr>
+              <a:t>WEEK 7</a:t>
+            </a:r>
+            <a:endParaRPr lang="en-IN" altLang="en-GB" sz="5000" b="1" dirty="0">
+              <a:pattFill prst="dkUpDiag">
+                <a:fgClr>
+                  <a:schemeClr val="bg1">
+                    <a:lumMod val="50000"/>
+                  </a:schemeClr>
+                </a:fgClr>
+                <a:bgClr>
+                  <a:schemeClr val="tx1">
+                    <a:lumMod val="75000"/>
+                    <a:lumOff val="25000"/>
+                  </a:schemeClr>
+                </a:bgClr>
+              </a:pattFill>
+              <a:effectLst>
+                <a:outerShdw blurRad="38100" dist="19050" dir="2700000" algn="tl" rotWithShape="0">
+                  <a:schemeClr val="dk1">
+                    <a:lumMod val="50000"/>
+                    <a:alpha val="40000"/>
+                  </a:schemeClr>
+                </a:outerShdw>
+              </a:effectLst>
+            </a:endParaRPr>
+          </a:p>
+        </p:txBody>
+      </p:sp>
+      <p:sp>
+        <p:nvSpPr>
+          <p:cNvPr id="4" name="Text Box 3"/>
+          <p:cNvSpPr txBox="1"/>
+          <p:nvPr/>
+        </p:nvSpPr>
+        <p:spPr>
+          <a:xfrm>
+            <a:off x="1136650" y="3350895"/>
+            <a:ext cx="9919335" cy="583565"/>
+          </a:xfrm>
+          <a:prstGeom prst="rect">
+            <a:avLst/>
+          </a:prstGeom>
+          <a:noFill/>
+        </p:spPr>
+        <p:txBody>
+          <a:bodyPr wrap="square" rtlCol="0">
+            <a:spAutoFit/>
+          </a:bodyPr>
+          <a:lstStyle/>
+          <a:p>
+            <a:pPr indent="0">
+              <a:buNone/>
+            </a:pPr>
+            <a:r>
+              <a:rPr lang="en-IN" altLang="en-GB" sz="3200" b="1" dirty="0"/>
+              <a:t>			06</a:t>
+            </a:r>
+            <a:r>
+              <a:rPr lang="en-IN" altLang="en-GB" sz="3200" b="1" dirty="0" smtClean="0"/>
+              <a:t>/03/2019 </a:t>
+            </a:r>
+            <a:r>
+              <a:rPr lang="en-IN" altLang="en-GB" sz="3200" b="1" dirty="0"/>
+              <a:t>to 13</a:t>
+            </a:r>
+            <a:r>
+              <a:rPr lang="en-IN" altLang="en-GB" sz="3200" b="1" dirty="0" smtClean="0"/>
+              <a:t>/03/2019</a:t>
+            </a:r>
+            <a:endParaRPr lang="en-IN" altLang="en-GB" sz="3200" b="1" dirty="0"/>
+          </a:p>
+        </p:txBody>
+      </p:sp>
+    </p:spTree>
+  </p:cSld>
+  <p:clrMapOvr>
+    <a:masterClrMapping/>
+  </p:clrMapOvr>
+</p:sld>
+</file>
+
+<file path=ppt/slides/slide38.xml><?xml version="1.0" encoding="utf-8"?>
+<p:sld xmlns:a="http://schemas.openxmlformats.org/drawingml/2006/main" xmlns:r="http://schemas.openxmlformats.org/officeDocument/2006/relationships" xmlns:p="http://schemas.openxmlformats.org/presentationml/2006/main">
+  <p:cSld>
+    <p:spTree>
+      <p:nvGrpSpPr>
+        <p:cNvPr id="1" name=""/>
+        <p:cNvGrpSpPr/>
+        <p:nvPr/>
+      </p:nvGrpSpPr>
+      <p:grpSpPr>
+        <a:xfrm>
+          <a:off x="0" y="0"/>
+          <a:ext cx="0" cy="0"/>
+          <a:chOff x="0" y="0"/>
+          <a:chExt cx="0" cy="0"/>
+        </a:xfrm>
+      </p:grpSpPr>
+      <p:sp>
+        <p:nvSpPr>
+          <p:cNvPr id="5" name="Text Box 4"/>
+          <p:cNvSpPr txBox="1"/>
+          <p:nvPr/>
+        </p:nvSpPr>
+        <p:spPr>
+          <a:xfrm>
+            <a:off x="9610090" y="89535"/>
+            <a:ext cx="2352040" cy="306705"/>
+          </a:xfrm>
+          <a:prstGeom prst="rect">
+            <a:avLst/>
+          </a:prstGeom>
+          <a:noFill/>
+        </p:spPr>
+        <p:txBody>
+          <a:bodyPr wrap="square" rtlCol="0">
+            <a:spAutoFit/>
+          </a:bodyPr>
+          <a:lstStyle/>
+          <a:p>
+            <a:pPr indent="0">
+              <a:buNone/>
+            </a:pPr>
+            <a:r>
+              <a:rPr lang="en-IN" altLang="en-GB" sz="1400" b="1" dirty="0" smtClean="0"/>
+              <a:t>06/03/2019 </a:t>
+            </a:r>
+            <a:r>
+              <a:rPr lang="en-IN" altLang="en-GB" sz="1400" b="1" dirty="0"/>
+              <a:t>to 13</a:t>
+            </a:r>
+            <a:r>
+              <a:rPr lang="en-IN" altLang="en-GB" sz="1400" b="1" dirty="0" smtClean="0"/>
+              <a:t>/03/2019</a:t>
+            </a:r>
+            <a:endParaRPr lang="en-IN" altLang="en-GB" sz="1400" b="1" dirty="0"/>
+          </a:p>
+        </p:txBody>
+      </p:sp>
+      <p:sp>
+        <p:nvSpPr>
+          <p:cNvPr id="2" name="Rectangle 1"/>
+          <p:cNvSpPr/>
+          <p:nvPr/>
+        </p:nvSpPr>
+        <p:spPr>
+          <a:xfrm>
+            <a:off x="3887153" y="259715"/>
+            <a:ext cx="4417060" cy="860425"/>
+          </a:xfrm>
+          <a:prstGeom prst="rect">
+            <a:avLst/>
+          </a:prstGeom>
+          <a:noFill/>
+          <a:ln>
+            <a:noFill/>
+          </a:ln>
+        </p:spPr>
+        <p:txBody>
+          <a:bodyPr wrap="none" rtlCol="0" anchor="t">
+            <a:spAutoFit/>
+          </a:bodyPr>
+          <a:lstStyle/>
+          <a:p>
+            <a:pPr algn="ctr"/>
+            <a:r>
+              <a:rPr lang="en-IN" altLang="en-GB" sz="5000" b="1">
+                <a:pattFill prst="dkUpDiag">
+                  <a:fgClr>
+                    <a:schemeClr val="bg1">
+                      <a:lumMod val="50000"/>
+                    </a:schemeClr>
+                  </a:fgClr>
+                  <a:bgClr>
+                    <a:schemeClr val="tx1">
+                      <a:lumMod val="75000"/>
+                      <a:lumOff val="25000"/>
+                    </a:schemeClr>
+                  </a:bgClr>
+                </a:pattFill>
+                <a:effectLst>
+                  <a:outerShdw blurRad="38100" dist="19050" dir="2700000" algn="tl" rotWithShape="0">
+                    <a:schemeClr val="dk1">
+                      <a:lumMod val="50000"/>
+                      <a:alpha val="40000"/>
+                    </a:schemeClr>
+                  </a:outerShdw>
+                </a:effectLst>
+              </a:rPr>
+              <a:t>Student Panel</a:t>
+            </a:r>
+            <a:endParaRPr lang="en-IN" altLang="en-GB" sz="5000" b="1">
+              <a:pattFill prst="dkUpDiag">
+                <a:fgClr>
+                  <a:schemeClr val="bg1">
+                    <a:lumMod val="50000"/>
+                  </a:schemeClr>
+                </a:fgClr>
+                <a:bgClr>
+                  <a:schemeClr val="tx1">
+                    <a:lumMod val="75000"/>
+                    <a:lumOff val="25000"/>
+                  </a:schemeClr>
+                </a:bgClr>
+              </a:pattFill>
+              <a:effectLst>
+                <a:outerShdw blurRad="38100" dist="19050" dir="2700000" algn="tl" rotWithShape="0">
+                  <a:schemeClr val="dk1">
+                    <a:lumMod val="50000"/>
+                    <a:alpha val="40000"/>
+                  </a:schemeClr>
+                </a:outerShdw>
+              </a:effectLst>
+            </a:endParaRPr>
+          </a:p>
+        </p:txBody>
+      </p:sp>
+      <p:pic>
+        <p:nvPicPr>
+          <p:cNvPr id="3" name="Picture 2" descr="student_panel"/>
+          <p:cNvPicPr>
+            <a:picLocks noChangeAspect="1"/>
+          </p:cNvPicPr>
+          <p:nvPr/>
+        </p:nvPicPr>
+        <p:blipFill>
+          <a:blip r:embed="rId1"/>
+          <a:stretch>
+            <a:fillRect/>
+          </a:stretch>
+        </p:blipFill>
+        <p:spPr>
+          <a:xfrm>
+            <a:off x="1073785" y="1247775"/>
+            <a:ext cx="10480040" cy="5381625"/>
+          </a:xfrm>
+          <a:prstGeom prst="rect">
+            <a:avLst/>
+          </a:prstGeom>
+        </p:spPr>
+      </p:pic>
+    </p:spTree>
+  </p:cSld>
+  <p:clrMapOvr>
+    <a:masterClrMapping/>
+  </p:clrMapOvr>
+</p:sld>
+</file>
+
+<file path=ppt/slides/slide39.xml><?xml version="1.0" encoding="utf-8"?>
+<p:sld xmlns:a="http://schemas.openxmlformats.org/drawingml/2006/main" xmlns:r="http://schemas.openxmlformats.org/officeDocument/2006/relationships" xmlns:p="http://schemas.openxmlformats.org/presentationml/2006/main">
+  <p:cSld>
+    <p:spTree>
+      <p:nvGrpSpPr>
+        <p:cNvPr id="1" name=""/>
+        <p:cNvGrpSpPr/>
+        <p:nvPr/>
+      </p:nvGrpSpPr>
+      <p:grpSpPr>
+        <a:xfrm>
+          <a:off x="0" y="0"/>
+          <a:ext cx="0" cy="0"/>
+          <a:chOff x="0" y="0"/>
+          <a:chExt cx="0" cy="0"/>
+        </a:xfrm>
+      </p:grpSpPr>
+      <p:sp>
+        <p:nvSpPr>
+          <p:cNvPr id="5" name="Text Box 4"/>
+          <p:cNvSpPr txBox="1"/>
+          <p:nvPr/>
+        </p:nvSpPr>
+        <p:spPr>
+          <a:xfrm>
+            <a:off x="9610090" y="89535"/>
+            <a:ext cx="2352040" cy="306705"/>
+          </a:xfrm>
+          <a:prstGeom prst="rect">
+            <a:avLst/>
+          </a:prstGeom>
+          <a:noFill/>
+        </p:spPr>
+        <p:txBody>
+          <a:bodyPr wrap="square" rtlCol="0">
+            <a:spAutoFit/>
+          </a:bodyPr>
+          <a:lstStyle/>
+          <a:p>
+            <a:pPr indent="0">
+              <a:buNone/>
+            </a:pPr>
+            <a:r>
+              <a:rPr lang="en-IN" altLang="en-GB" sz="1400" b="1" dirty="0" smtClean="0"/>
+              <a:t>06/03/2019 </a:t>
+            </a:r>
+            <a:r>
+              <a:rPr lang="en-IN" altLang="en-GB" sz="1400" b="1" dirty="0"/>
+              <a:t>to 13</a:t>
+            </a:r>
+            <a:r>
+              <a:rPr lang="en-IN" altLang="en-GB" sz="1400" b="1" dirty="0" smtClean="0"/>
+              <a:t>/03/2019</a:t>
+            </a:r>
+            <a:endParaRPr lang="en-IN" altLang="en-GB" sz="1400" b="1" dirty="0"/>
+          </a:p>
+        </p:txBody>
+      </p:sp>
+      <p:sp>
+        <p:nvSpPr>
+          <p:cNvPr id="2" name="Rectangle 1"/>
+          <p:cNvSpPr/>
+          <p:nvPr/>
+        </p:nvSpPr>
+        <p:spPr>
+          <a:xfrm>
+            <a:off x="1187133" y="309245"/>
+            <a:ext cx="9944100" cy="860425"/>
+          </a:xfrm>
+          <a:prstGeom prst="rect">
+            <a:avLst/>
+          </a:prstGeom>
+          <a:noFill/>
+          <a:ln>
+            <a:noFill/>
+          </a:ln>
+        </p:spPr>
+        <p:txBody>
+          <a:bodyPr wrap="none" rtlCol="0" anchor="t">
+            <a:spAutoFit/>
+          </a:bodyPr>
+          <a:lstStyle/>
+          <a:p>
+            <a:pPr algn="ctr"/>
+            <a:r>
+              <a:rPr lang="en-IN" altLang="en-GB" sz="5000" b="1">
+                <a:pattFill prst="dkUpDiag">
+                  <a:fgClr>
+                    <a:schemeClr val="bg1">
+                      <a:lumMod val="50000"/>
+                    </a:schemeClr>
+                  </a:fgClr>
+                  <a:bgClr>
+                    <a:schemeClr val="tx1">
+                      <a:lumMod val="75000"/>
+                      <a:lumOff val="25000"/>
+                    </a:schemeClr>
+                  </a:bgClr>
+                </a:pattFill>
+                <a:effectLst>
+                  <a:outerShdw blurRad="38100" dist="19050" dir="2700000" algn="tl" rotWithShape="0">
+                    <a:schemeClr val="dk1">
+                      <a:lumMod val="50000"/>
+                      <a:alpha val="40000"/>
+                    </a:schemeClr>
+                  </a:outerShdw>
+                </a:effectLst>
+              </a:rPr>
+              <a:t>Code For PHP file in Login Form</a:t>
+            </a:r>
+            <a:endParaRPr lang="en-IN" altLang="en-GB" sz="5000" b="1">
+              <a:pattFill prst="dkUpDiag">
+                <a:fgClr>
+                  <a:schemeClr val="bg1">
+                    <a:lumMod val="50000"/>
+                  </a:schemeClr>
+                </a:fgClr>
+                <a:bgClr>
+                  <a:schemeClr val="tx1">
+                    <a:lumMod val="75000"/>
+                    <a:lumOff val="25000"/>
+                  </a:schemeClr>
+                </a:bgClr>
+              </a:pattFill>
+              <a:effectLst>
+                <a:outerShdw blurRad="38100" dist="19050" dir="2700000" algn="tl" rotWithShape="0">
+                  <a:schemeClr val="dk1">
+                    <a:lumMod val="50000"/>
+                    <a:alpha val="40000"/>
+                  </a:schemeClr>
+                </a:outerShdw>
+              </a:effectLst>
+            </a:endParaRPr>
+          </a:p>
+        </p:txBody>
+      </p:sp>
+      <p:pic>
+        <p:nvPicPr>
+          <p:cNvPr id="3" name="Picture 2" descr="login_panel"/>
+          <p:cNvPicPr>
+            <a:picLocks noChangeAspect="1"/>
+          </p:cNvPicPr>
+          <p:nvPr/>
+        </p:nvPicPr>
+        <p:blipFill>
+          <a:blip r:embed="rId1"/>
+          <a:stretch>
+            <a:fillRect/>
+          </a:stretch>
+        </p:blipFill>
+        <p:spPr>
+          <a:xfrm>
+            <a:off x="2143760" y="1363980"/>
+            <a:ext cx="8030845" cy="4801235"/>
           </a:xfrm>
           <a:prstGeom prst="rect">
             <a:avLst/>
@@ -10171,6 +12670,540 @@
 </p:sld>
 </file>
 
+<file path=ppt/slides/slide40.xml><?xml version="1.0" encoding="utf-8"?>
+<p:sld xmlns:a="http://schemas.openxmlformats.org/drawingml/2006/main" xmlns:r="http://schemas.openxmlformats.org/officeDocument/2006/relationships" xmlns:p="http://schemas.openxmlformats.org/presentationml/2006/main">
+  <p:cSld>
+    <p:spTree>
+      <p:nvGrpSpPr>
+        <p:cNvPr id="1" name=""/>
+        <p:cNvGrpSpPr/>
+        <p:nvPr/>
+      </p:nvGrpSpPr>
+      <p:grpSpPr>
+        <a:xfrm>
+          <a:off x="0" y="0"/>
+          <a:ext cx="0" cy="0"/>
+          <a:chOff x="0" y="0"/>
+          <a:chExt cx="0" cy="0"/>
+        </a:xfrm>
+      </p:grpSpPr>
+      <p:sp>
+        <p:nvSpPr>
+          <p:cNvPr id="5" name="Text Box 4"/>
+          <p:cNvSpPr txBox="1"/>
+          <p:nvPr/>
+        </p:nvSpPr>
+        <p:spPr>
+          <a:xfrm>
+            <a:off x="9610090" y="89535"/>
+            <a:ext cx="2352040" cy="306705"/>
+          </a:xfrm>
+          <a:prstGeom prst="rect">
+            <a:avLst/>
+          </a:prstGeom>
+          <a:noFill/>
+        </p:spPr>
+        <p:txBody>
+          <a:bodyPr wrap="square" rtlCol="0">
+            <a:spAutoFit/>
+          </a:bodyPr>
+          <a:lstStyle/>
+          <a:p>
+            <a:pPr indent="0">
+              <a:buNone/>
+            </a:pPr>
+            <a:r>
+              <a:rPr lang="en-IN" altLang="en-GB" sz="1400" b="1" dirty="0" smtClean="0"/>
+              <a:t>06/03/2019 </a:t>
+            </a:r>
+            <a:r>
+              <a:rPr lang="en-IN" altLang="en-GB" sz="1400" b="1" dirty="0"/>
+              <a:t>to 13</a:t>
+            </a:r>
+            <a:r>
+              <a:rPr lang="en-IN" altLang="en-GB" sz="1400" b="1" dirty="0" smtClean="0"/>
+              <a:t>/03/2019</a:t>
+            </a:r>
+            <a:endParaRPr lang="en-IN" altLang="en-GB" sz="1400" b="1" dirty="0"/>
+          </a:p>
+        </p:txBody>
+      </p:sp>
+      <p:sp>
+        <p:nvSpPr>
+          <p:cNvPr id="2" name="Rectangle 1"/>
+          <p:cNvSpPr/>
+          <p:nvPr/>
+        </p:nvSpPr>
+        <p:spPr>
+          <a:xfrm>
+            <a:off x="816293" y="309245"/>
+            <a:ext cx="10685780" cy="860425"/>
+          </a:xfrm>
+          <a:prstGeom prst="rect">
+            <a:avLst/>
+          </a:prstGeom>
+          <a:noFill/>
+          <a:ln>
+            <a:noFill/>
+          </a:ln>
+        </p:spPr>
+        <p:txBody>
+          <a:bodyPr wrap="none" rtlCol="0" anchor="t">
+            <a:spAutoFit/>
+          </a:bodyPr>
+          <a:lstStyle/>
+          <a:p>
+            <a:pPr algn="ctr"/>
+            <a:r>
+              <a:rPr lang="en-IN" altLang="en-GB" sz="5000" b="1">
+                <a:pattFill prst="dkUpDiag">
+                  <a:fgClr>
+                    <a:schemeClr val="bg1">
+                      <a:lumMod val="50000"/>
+                    </a:schemeClr>
+                  </a:fgClr>
+                  <a:bgClr>
+                    <a:schemeClr val="tx1">
+                      <a:lumMod val="75000"/>
+                      <a:lumOff val="25000"/>
+                    </a:schemeClr>
+                  </a:bgClr>
+                </a:pattFill>
+                <a:effectLst>
+                  <a:outerShdw blurRad="38100" dist="19050" dir="2700000" algn="tl" rotWithShape="0">
+                    <a:schemeClr val="dk1">
+                      <a:lumMod val="50000"/>
+                      <a:alpha val="40000"/>
+                    </a:schemeClr>
+                  </a:outerShdw>
+                </a:effectLst>
+              </a:rPr>
+              <a:t>Code For PHP file in Student Panel</a:t>
+            </a:r>
+            <a:endParaRPr lang="en-IN" altLang="en-GB" sz="5000" b="1">
+              <a:pattFill prst="dkUpDiag">
+                <a:fgClr>
+                  <a:schemeClr val="bg1">
+                    <a:lumMod val="50000"/>
+                  </a:schemeClr>
+                </a:fgClr>
+                <a:bgClr>
+                  <a:schemeClr val="tx1">
+                    <a:lumMod val="75000"/>
+                    <a:lumOff val="25000"/>
+                  </a:schemeClr>
+                </a:bgClr>
+              </a:pattFill>
+              <a:effectLst>
+                <a:outerShdw blurRad="38100" dist="19050" dir="2700000" algn="tl" rotWithShape="0">
+                  <a:schemeClr val="dk1">
+                    <a:lumMod val="50000"/>
+                    <a:alpha val="40000"/>
+                  </a:schemeClr>
+                </a:outerShdw>
+              </a:effectLst>
+            </a:endParaRPr>
+          </a:p>
+        </p:txBody>
+      </p:sp>
+      <p:pic>
+        <p:nvPicPr>
+          <p:cNvPr id="3" name="Picture 2" descr="code_panel"/>
+          <p:cNvPicPr>
+            <a:picLocks noChangeAspect="1"/>
+          </p:cNvPicPr>
+          <p:nvPr/>
+        </p:nvPicPr>
+        <p:blipFill>
+          <a:blip r:embed="rId1"/>
+          <a:stretch>
+            <a:fillRect/>
+          </a:stretch>
+        </p:blipFill>
+        <p:spPr>
+          <a:xfrm>
+            <a:off x="2222500" y="1304925"/>
+            <a:ext cx="7774305" cy="5020310"/>
+          </a:xfrm>
+          <a:prstGeom prst="rect">
+            <a:avLst/>
+          </a:prstGeom>
+        </p:spPr>
+      </p:pic>
+    </p:spTree>
+  </p:cSld>
+  <p:clrMapOvr>
+    <a:masterClrMapping/>
+  </p:clrMapOvr>
+</p:sld>
+</file>
+
+<file path=ppt/slides/slide41.xml><?xml version="1.0" encoding="utf-8"?>
+<p:sld xmlns:a="http://schemas.openxmlformats.org/drawingml/2006/main" xmlns:r="http://schemas.openxmlformats.org/officeDocument/2006/relationships" xmlns:p="http://schemas.openxmlformats.org/presentationml/2006/main">
+  <p:cSld>
+    <p:spTree>
+      <p:nvGrpSpPr>
+        <p:cNvPr id="1" name=""/>
+        <p:cNvGrpSpPr/>
+        <p:nvPr/>
+      </p:nvGrpSpPr>
+      <p:grpSpPr>
+        <a:xfrm>
+          <a:off x="0" y="0"/>
+          <a:ext cx="0" cy="0"/>
+          <a:chOff x="0" y="0"/>
+          <a:chExt cx="0" cy="0"/>
+        </a:xfrm>
+      </p:grpSpPr>
+      <p:sp>
+        <p:nvSpPr>
+          <p:cNvPr id="5" name="Text Box 4"/>
+          <p:cNvSpPr txBox="1"/>
+          <p:nvPr/>
+        </p:nvSpPr>
+        <p:spPr>
+          <a:xfrm>
+            <a:off x="9610090" y="89535"/>
+            <a:ext cx="2352040" cy="306705"/>
+          </a:xfrm>
+          <a:prstGeom prst="rect">
+            <a:avLst/>
+          </a:prstGeom>
+          <a:noFill/>
+        </p:spPr>
+        <p:txBody>
+          <a:bodyPr wrap="square" rtlCol="0">
+            <a:spAutoFit/>
+          </a:bodyPr>
+          <a:lstStyle/>
+          <a:p>
+            <a:pPr indent="0">
+              <a:buNone/>
+            </a:pPr>
+            <a:r>
+              <a:rPr lang="en-IN" altLang="en-GB" sz="1400" b="1" dirty="0" smtClean="0"/>
+              <a:t>06/03/2019 </a:t>
+            </a:r>
+            <a:r>
+              <a:rPr lang="en-IN" altLang="en-GB" sz="1400" b="1" dirty="0"/>
+              <a:t>to 13</a:t>
+            </a:r>
+            <a:r>
+              <a:rPr lang="en-IN" altLang="en-GB" sz="1400" b="1" dirty="0" smtClean="0"/>
+              <a:t>/03/2019</a:t>
+            </a:r>
+            <a:endParaRPr lang="en-IN" altLang="en-GB" sz="1400" b="1" dirty="0"/>
+          </a:p>
+        </p:txBody>
+      </p:sp>
+      <p:sp>
+        <p:nvSpPr>
+          <p:cNvPr id="2" name="Rectangle 1"/>
+          <p:cNvSpPr/>
+          <p:nvPr/>
+        </p:nvSpPr>
+        <p:spPr>
+          <a:xfrm>
+            <a:off x="3956686" y="309245"/>
+            <a:ext cx="4404995" cy="860425"/>
+          </a:xfrm>
+          <a:prstGeom prst="rect">
+            <a:avLst/>
+          </a:prstGeom>
+          <a:noFill/>
+          <a:ln>
+            <a:noFill/>
+          </a:ln>
+        </p:spPr>
+        <p:txBody>
+          <a:bodyPr wrap="none" rtlCol="0" anchor="t">
+            <a:spAutoFit/>
+          </a:bodyPr>
+          <a:lstStyle/>
+          <a:p>
+            <a:pPr algn="ctr"/>
+            <a:r>
+              <a:rPr lang="en-IN" altLang="en-GB" sz="5000" b="1">
+                <a:pattFill prst="dkUpDiag">
+                  <a:fgClr>
+                    <a:schemeClr val="bg1">
+                      <a:lumMod val="50000"/>
+                    </a:schemeClr>
+                  </a:fgClr>
+                  <a:bgClr>
+                    <a:schemeClr val="tx1">
+                      <a:lumMod val="75000"/>
+                      <a:lumOff val="25000"/>
+                    </a:schemeClr>
+                  </a:bgClr>
+                </a:pattFill>
+                <a:effectLst>
+                  <a:outerShdw blurRad="38100" dist="19050" dir="2700000" algn="tl" rotWithShape="0">
+                    <a:schemeClr val="dk1">
+                      <a:lumMod val="50000"/>
+                      <a:alpha val="40000"/>
+                    </a:schemeClr>
+                  </a:outerShdw>
+                </a:effectLst>
+              </a:rPr>
+              <a:t>Work Division</a:t>
+            </a:r>
+            <a:endParaRPr lang="en-IN" altLang="en-GB" sz="5000" b="1">
+              <a:pattFill prst="dkUpDiag">
+                <a:fgClr>
+                  <a:schemeClr val="bg1">
+                    <a:lumMod val="50000"/>
+                  </a:schemeClr>
+                </a:fgClr>
+                <a:bgClr>
+                  <a:schemeClr val="tx1">
+                    <a:lumMod val="75000"/>
+                    <a:lumOff val="25000"/>
+                  </a:schemeClr>
+                </a:bgClr>
+              </a:pattFill>
+              <a:effectLst>
+                <a:outerShdw blurRad="38100" dist="19050" dir="2700000" algn="tl" rotWithShape="0">
+                  <a:schemeClr val="dk1">
+                    <a:lumMod val="50000"/>
+                    <a:alpha val="40000"/>
+                  </a:schemeClr>
+                </a:outerShdw>
+              </a:effectLst>
+            </a:endParaRPr>
+          </a:p>
+        </p:txBody>
+      </p:sp>
+      <p:sp>
+        <p:nvSpPr>
+          <p:cNvPr id="4" name="Text Box 3"/>
+          <p:cNvSpPr txBox="1"/>
+          <p:nvPr/>
+        </p:nvSpPr>
+        <p:spPr>
+          <a:xfrm>
+            <a:off x="727075" y="2690495"/>
+            <a:ext cx="11587480" cy="1476375"/>
+          </a:xfrm>
+          <a:prstGeom prst="rect">
+            <a:avLst/>
+          </a:prstGeom>
+          <a:noFill/>
+        </p:spPr>
+        <p:txBody>
+          <a:bodyPr wrap="square" rtlCol="0">
+            <a:spAutoFit/>
+          </a:bodyPr>
+          <a:p>
+            <a:r>
+              <a:rPr lang="en-IN" altLang="en-GB" b="1"/>
+              <a:t>1. Connecting PHP with LOGIN form: Yashwant Apurva</a:t>
+            </a:r>
+            <a:endParaRPr lang="en-IN" altLang="en-GB" b="1"/>
+          </a:p>
+          <a:p>
+            <a:endParaRPr lang="en-IN" altLang="en-GB" b="1"/>
+          </a:p>
+          <a:p>
+            <a:r>
+              <a:rPr lang="en-IN" altLang="en-GB" b="1"/>
+              <a:t>2. Student Panel : Rishabh</a:t>
+            </a:r>
+            <a:endParaRPr lang="en-IN" altLang="en-GB" b="1"/>
+          </a:p>
+          <a:p>
+            <a:endParaRPr lang="en-IN" altLang="en-GB" b="1"/>
+          </a:p>
+          <a:p>
+            <a:r>
+              <a:rPr lang="en-IN" altLang="en-GB" b="1"/>
+              <a:t>3. PPT : Yashwant</a:t>
+            </a:r>
+            <a:endParaRPr lang="en-IN" altLang="en-GB" b="1"/>
+          </a:p>
+        </p:txBody>
+      </p:sp>
+    </p:spTree>
+  </p:cSld>
+  <p:clrMapOvr>
+    <a:masterClrMapping/>
+  </p:clrMapOvr>
+</p:sld>
+</file>
+
+<file path=ppt/slides/slide42.xml><?xml version="1.0" encoding="utf-8"?>
+<p:sld xmlns:a="http://schemas.openxmlformats.org/drawingml/2006/main" xmlns:r="http://schemas.openxmlformats.org/officeDocument/2006/relationships" xmlns:p="http://schemas.openxmlformats.org/presentationml/2006/main">
+  <p:cSld>
+    <p:spTree>
+      <p:nvGrpSpPr>
+        <p:cNvPr id="1" name=""/>
+        <p:cNvGrpSpPr/>
+        <p:nvPr/>
+      </p:nvGrpSpPr>
+      <p:grpSpPr>
+        <a:xfrm>
+          <a:off x="0" y="0"/>
+          <a:ext cx="0" cy="0"/>
+          <a:chOff x="0" y="0"/>
+          <a:chExt cx="0" cy="0"/>
+        </a:xfrm>
+      </p:grpSpPr>
+      <p:sp>
+        <p:nvSpPr>
+          <p:cNvPr id="5" name="Text Box 4"/>
+          <p:cNvSpPr txBox="1"/>
+          <p:nvPr/>
+        </p:nvSpPr>
+        <p:spPr>
+          <a:xfrm>
+            <a:off x="9610090" y="89535"/>
+            <a:ext cx="2352040" cy="306705"/>
+          </a:xfrm>
+          <a:prstGeom prst="rect">
+            <a:avLst/>
+          </a:prstGeom>
+          <a:noFill/>
+        </p:spPr>
+        <p:txBody>
+          <a:bodyPr wrap="square" rtlCol="0">
+            <a:spAutoFit/>
+          </a:bodyPr>
+          <a:lstStyle/>
+          <a:p>
+            <a:pPr indent="0">
+              <a:buNone/>
+            </a:pPr>
+            <a:r>
+              <a:rPr lang="en-IN" altLang="en-GB" sz="1400" b="1" dirty="0" smtClean="0"/>
+              <a:t>06/03/2019 </a:t>
+            </a:r>
+            <a:r>
+              <a:rPr lang="en-IN" altLang="en-GB" sz="1400" b="1" dirty="0"/>
+              <a:t>to 13</a:t>
+            </a:r>
+            <a:r>
+              <a:rPr lang="en-IN" altLang="en-GB" sz="1400" b="1" dirty="0" smtClean="0"/>
+              <a:t>/03/2019</a:t>
+            </a:r>
+            <a:endParaRPr lang="en-IN" altLang="en-GB" sz="1400" b="1" dirty="0"/>
+          </a:p>
+        </p:txBody>
+      </p:sp>
+      <p:sp>
+        <p:nvSpPr>
+          <p:cNvPr id="2" name="Rectangle 1"/>
+          <p:cNvSpPr/>
+          <p:nvPr/>
+        </p:nvSpPr>
+        <p:spPr>
+          <a:xfrm>
+            <a:off x="3109596" y="309245"/>
+            <a:ext cx="6099175" cy="860425"/>
+          </a:xfrm>
+          <a:prstGeom prst="rect">
+            <a:avLst/>
+          </a:prstGeom>
+          <a:noFill/>
+          <a:ln>
+            <a:noFill/>
+          </a:ln>
+        </p:spPr>
+        <p:txBody>
+          <a:bodyPr wrap="none" rtlCol="0" anchor="t">
+            <a:spAutoFit/>
+          </a:bodyPr>
+          <a:lstStyle/>
+          <a:p>
+            <a:pPr algn="ctr"/>
+            <a:r>
+              <a:rPr lang="en-IN" altLang="en-GB" sz="5000" b="1">
+                <a:pattFill prst="dkUpDiag">
+                  <a:fgClr>
+                    <a:schemeClr val="bg1">
+                      <a:lumMod val="50000"/>
+                    </a:schemeClr>
+                  </a:fgClr>
+                  <a:bgClr>
+                    <a:schemeClr val="tx1">
+                      <a:lumMod val="75000"/>
+                      <a:lumOff val="25000"/>
+                    </a:schemeClr>
+                  </a:bgClr>
+                </a:pattFill>
+                <a:effectLst>
+                  <a:outerShdw blurRad="38100" dist="19050" dir="2700000" algn="tl" rotWithShape="0">
+                    <a:schemeClr val="dk1">
+                      <a:lumMod val="50000"/>
+                      <a:alpha val="40000"/>
+                    </a:schemeClr>
+                  </a:outerShdw>
+                </a:effectLst>
+              </a:rPr>
+              <a:t>Plan For Next Week</a:t>
+            </a:r>
+            <a:endParaRPr lang="en-IN" altLang="en-GB" sz="5000" b="1">
+              <a:pattFill prst="dkUpDiag">
+                <a:fgClr>
+                  <a:schemeClr val="bg1">
+                    <a:lumMod val="50000"/>
+                  </a:schemeClr>
+                </a:fgClr>
+                <a:bgClr>
+                  <a:schemeClr val="tx1">
+                    <a:lumMod val="75000"/>
+                    <a:lumOff val="25000"/>
+                  </a:schemeClr>
+                </a:bgClr>
+              </a:pattFill>
+              <a:effectLst>
+                <a:outerShdw blurRad="38100" dist="19050" dir="2700000" algn="tl" rotWithShape="0">
+                  <a:schemeClr val="dk1">
+                    <a:lumMod val="50000"/>
+                    <a:alpha val="40000"/>
+                  </a:schemeClr>
+                </a:outerShdw>
+              </a:effectLst>
+            </a:endParaRPr>
+          </a:p>
+        </p:txBody>
+      </p:sp>
+      <p:sp>
+        <p:nvSpPr>
+          <p:cNvPr id="4" name="Text Box 3"/>
+          <p:cNvSpPr txBox="1"/>
+          <p:nvPr/>
+        </p:nvSpPr>
+        <p:spPr>
+          <a:xfrm>
+            <a:off x="727075" y="2690495"/>
+            <a:ext cx="11587480" cy="368300"/>
+          </a:xfrm>
+          <a:prstGeom prst="rect">
+            <a:avLst/>
+          </a:prstGeom>
+          <a:noFill/>
+        </p:spPr>
+        <p:txBody>
+          <a:bodyPr wrap="square" rtlCol="0">
+            <a:spAutoFit/>
+          </a:bodyPr>
+          <a:p>
+            <a:r>
+              <a:rPr lang="en-IN" altLang="en-GB" b="1"/>
+              <a:t>Admin Panel</a:t>
+            </a:r>
+            <a:endParaRPr lang="en-IN" altLang="en-GB" b="1"/>
+          </a:p>
+        </p:txBody>
+      </p:sp>
+    </p:spTree>
+  </p:cSld>
+  <p:clrMapOvr>
+    <a:masterClrMapping/>
+  </p:clrMapOvr>
+</p:sld>
+</file>
+
 <file path=ppt/slides/slide5.xml><?xml version="1.0" encoding="utf-8"?>
 <p:sld xmlns:a="http://schemas.openxmlformats.org/drawingml/2006/main" xmlns:r="http://schemas.openxmlformats.org/officeDocument/2006/relationships" xmlns:p="http://schemas.openxmlformats.org/presentationml/2006/main">
   <p:cSld>
@@ -10361,7 +13394,14 @@
         <p:cNvGrpSpPr/>
         <p:nvPr/>
       </p:nvGrpSpPr>
-      <p:grpSpPr/>
+      <p:grpSpPr>
+        <a:xfrm>
+          <a:off x="0" y="0"/>
+          <a:ext cx="0" cy="0"/>
+          <a:chOff x="0" y="0"/>
+          <a:chExt cx="0" cy="0"/>
+        </a:xfrm>
+      </p:grpSpPr>
       <p:sp>
         <p:nvSpPr>
           <p:cNvPr id="3" name="Rectangle 2"/>
@@ -10385,6 +13425,7 @@
           <a:bodyPr wrap="none" rtlCol="0" anchor="t">
             <a:spAutoFit/>
           </a:bodyPr>
+          <a:lstStyle/>
           <a:p>
             <a:pPr algn="ctr"/>
             <a:r>
@@ -10483,6 +13524,7 @@
           <a:bodyPr wrap="square" rtlCol="0">
             <a:spAutoFit/>
           </a:bodyPr>
+          <a:lstStyle/>
           <a:p>
             <a:r>
               <a:rPr lang="en-IN" altLang="en-GB" sz="2400" b="1"/>
@@ -10557,7 +13599,14 @@
         <p:cNvGrpSpPr/>
         <p:nvPr/>
       </p:nvGrpSpPr>
-      <p:grpSpPr/>
+      <p:grpSpPr>
+        <a:xfrm>
+          <a:off x="0" y="0"/>
+          <a:ext cx="0" cy="0"/>
+          <a:chOff x="0" y="0"/>
+          <a:chExt cx="0" cy="0"/>
+        </a:xfrm>
+      </p:grpSpPr>
       <p:sp>
         <p:nvSpPr>
           <p:cNvPr id="3" name="Rectangle 2"/>
@@ -10581,6 +13630,7 @@
           <a:bodyPr wrap="none" rtlCol="0" anchor="t">
             <a:spAutoFit/>
           </a:bodyPr>
+          <a:lstStyle/>
           <a:p>
             <a:pPr algn="ctr"/>
             <a:r>
@@ -10655,6 +13705,7 @@
           <a:bodyPr wrap="square" rtlCol="0">
             <a:spAutoFit/>
           </a:bodyPr>
+          <a:lstStyle/>
           <a:p>
             <a:pPr marL="342900" indent="-342900">
               <a:buAutoNum type="arabicPeriod"/>
@@ -10723,6 +13774,7 @@
           <a:bodyPr wrap="square" rtlCol="0">
             <a:spAutoFit/>
           </a:bodyPr>
+          <a:lstStyle/>
           <a:p>
             <a:r>
               <a:rPr lang="en-IN" altLang="en-GB" b="1"/>
